--- a/docs/part1ca/08_MMIO/CA_Lecture_08.pptx
+++ b/docs/part1ca/08_MMIO/CA_Lecture_08.pptx
@@ -5,18 +5,21 @@
     <p:sldMasterId id="2147483648" r:id="rId1"/>
   </p:sldMasterIdLst>
   <p:notesMasterIdLst>
-    <p:notesMasterId r:id="rId8"/>
+    <p:notesMasterId r:id="rId11"/>
   </p:notesMasterIdLst>
   <p:handoutMasterIdLst>
-    <p:handoutMasterId r:id="rId9"/>
+    <p:handoutMasterId r:id="rId12"/>
   </p:handoutMasterIdLst>
   <p:sldIdLst>
     <p:sldId id="256" r:id="rId2"/>
     <p:sldId id="364" r:id="rId3"/>
     <p:sldId id="365" r:id="rId4"/>
-    <p:sldId id="362" r:id="rId5"/>
-    <p:sldId id="363" r:id="rId6"/>
-    <p:sldId id="272" r:id="rId7"/>
+    <p:sldId id="368" r:id="rId5"/>
+    <p:sldId id="367" r:id="rId6"/>
+    <p:sldId id="369" r:id="rId7"/>
+    <p:sldId id="362" r:id="rId8"/>
+    <p:sldId id="363" r:id="rId9"/>
+    <p:sldId id="272" r:id="rId10"/>
   </p:sldIdLst>
   <p:sldSz cx="12192000" cy="6858000"/>
   <p:notesSz cx="6858000" cy="9144000"/>
@@ -904,7 +907,7 @@
             <a:fld id="{5583B3A5-99BF-45D9-956B-DC57CC23AD97}" type="slidenum">
               <a:rPr lang="ru-RU" smtClean="0"/>
               <a:pPr/>
-              <a:t>6</a:t>
+              <a:t>9</a:t>
             </a:fld>
             <a:endParaRPr lang="ru-RU"/>
           </a:p>
@@ -4396,6 +4399,13 @@
   <p:clrMapOvr>
     <a:masterClrMapping/>
   </p:clrMapOvr>
+  <p:timing>
+    <p:tnLst>
+      <p:par>
+        <p:cTn id="1" dur="indefinite" restart="never" nodeType="tmRoot"/>
+      </p:par>
+    </p:tnLst>
+  </p:timing>
 </p:sld>
 </file>
 
@@ -4504,14 +4514,14 @@
           <a:p>
             <a:pPr algn="ctr"/>
             <a:r>
-              <a:rPr lang="en-US" sz="3600" dirty="0" smtClean="0">
+              <a:rPr lang="en-US" sz="3600" b="1" dirty="0" smtClean="0">
                 <a:solidFill>
                   <a:srgbClr val="F7B217"/>
                 </a:solidFill>
               </a:rPr>
               <a:t>I/O Module</a:t>
             </a:r>
-            <a:endParaRPr lang="ru-RU" sz="3600" dirty="0">
+            <a:endParaRPr lang="ru-RU" sz="3600" b="1" dirty="0">
               <a:solidFill>
                 <a:srgbClr val="F7B217"/>
               </a:solidFill>
@@ -5149,6 +5159,13 @@
   <p:clrMapOvr>
     <a:masterClrMapping/>
   </p:clrMapOvr>
+  <p:timing>
+    <p:tnLst>
+      <p:par>
+        <p:cTn id="1" dur="indefinite" restart="never" nodeType="tmRoot"/>
+      </p:par>
+    </p:tnLst>
+  </p:timing>
 </p:sld>
 </file>
 
@@ -5186,47 +5203,109 @@
           </a:bodyPr>
           <a:lstStyle/>
           <a:p>
+            <a:pPr>
+              <a:lnSpc>
+                <a:spcPct val="150000"/>
+              </a:lnSpc>
+              <a:spcBef>
+                <a:spcPts val="3000"/>
+              </a:spcBef>
+            </a:pPr>
             <a:r>
               <a:rPr lang="en-US" b="1" dirty="0" smtClean="0">
                 <a:solidFill>
                   <a:srgbClr val="F3B217"/>
                 </a:solidFill>
               </a:rPr>
-              <a:t>Memory-Mapped I/O</a:t>
+              <a:t>Control signals </a:t>
             </a:r>
             <a:r>
               <a:rPr lang="en-US" dirty="0" smtClean="0"/>
-              <a:t> is an I/O scheme in which portions of the address space are assigned to I/O devices, and reads and writes to those addresses are interpreted as commands to the I/O device</a:t>
+              <a:t>determine the function that the device will </a:t>
             </a:r>
             <a:r>
               <a:rPr lang="en-US" dirty="0" smtClean="0"/>
-              <a:t>.</a:t>
-            </a:r>
-          </a:p>
-          <a:p>
+              <a:t>perform</a:t>
+            </a:r>
+          </a:p>
+          <a:p>
+            <a:pPr>
+              <a:lnSpc>
+                <a:spcPct val="150000"/>
+              </a:lnSpc>
+              <a:spcBef>
+                <a:spcPts val="3000"/>
+              </a:spcBef>
+            </a:pPr>
             <a:r>
               <a:rPr lang="en-US" b="1" dirty="0" smtClean="0">
                 <a:solidFill>
                   <a:srgbClr val="F3B217"/>
                 </a:solidFill>
               </a:rPr>
-              <a:t>Direct </a:t>
-            </a:r>
+              <a:t>Data</a:t>
+            </a:r>
+            <a:r>
+              <a:rPr lang="en-US" dirty="0" smtClean="0"/>
+              <a:t> </a:t>
+            </a:r>
+            <a:r>
+              <a:rPr lang="en-US" dirty="0" smtClean="0"/>
+              <a:t>are </a:t>
+            </a:r>
+            <a:r>
+              <a:rPr lang="en-US" dirty="0" smtClean="0"/>
+              <a:t>a </a:t>
+            </a:r>
+            <a:r>
+              <a:rPr lang="en-US" dirty="0" smtClean="0"/>
+              <a:t>set of bits </a:t>
+            </a:r>
+            <a:r>
+              <a:rPr lang="en-US" dirty="0" smtClean="0"/>
+              <a:t>to be </a:t>
+            </a:r>
+            <a:r>
+              <a:rPr lang="en-US" dirty="0" smtClean="0"/>
+              <a:t>sent to or received from the I/O </a:t>
+            </a:r>
+            <a:r>
+              <a:rPr lang="en-US" dirty="0" smtClean="0"/>
+              <a:t>module</a:t>
+            </a:r>
+          </a:p>
+          <a:p>
+            <a:pPr>
+              <a:lnSpc>
+                <a:spcPct val="150000"/>
+              </a:lnSpc>
+              <a:spcBef>
+                <a:spcPts val="3000"/>
+              </a:spcBef>
+            </a:pPr>
             <a:r>
               <a:rPr lang="en-US" b="1" dirty="0" smtClean="0">
                 <a:solidFill>
                   <a:srgbClr val="F3B217"/>
                 </a:solidFill>
               </a:rPr>
-              <a:t>Memory Access (DMA) </a:t>
+              <a:t>Status </a:t>
+            </a:r>
+            <a:r>
+              <a:rPr lang="en-US" b="1" dirty="0" smtClean="0">
+                <a:solidFill>
+                  <a:srgbClr val="F3B217"/>
+                </a:solidFill>
+              </a:rPr>
+              <a:t>signals </a:t>
             </a:r>
             <a:r>
               <a:rPr lang="en-US" dirty="0" smtClean="0"/>
-              <a:t>is a mechanism that provides a device controller with the ability to transfer data directly to or from the memory without involving the processor</a:t>
+              <a:t>indicate the state of </a:t>
             </a:r>
             <a:r>
               <a:rPr lang="en-US" dirty="0" smtClean="0"/>
-              <a:t>.</a:t>
+              <a:t>the device</a:t>
             </a:r>
             <a:endParaRPr lang="ru-RU" dirty="0"/>
           </a:p>
@@ -5274,7 +5353,7 @@
           <a:p>
             <a:r>
               <a:rPr lang="en-US" dirty="0" smtClean="0"/>
-              <a:t>Memory-Mapped I/O</a:t>
+              <a:t>Signals</a:t>
             </a:r>
             <a:endParaRPr lang="ru-RU" dirty="0"/>
           </a:p>
@@ -5285,6 +5364,13 @@
   <p:clrMapOvr>
     <a:masterClrMapping/>
   </p:clrMapOvr>
+  <p:timing>
+    <p:tnLst>
+      <p:par>
+        <p:cTn id="1" dur="indefinite" restart="never" nodeType="tmRoot"/>
+      </p:par>
+    </p:tnLst>
+  </p:timing>
 </p:sld>
 </file>
 
@@ -5315,86 +5401,120 @@
             <p:ph idx="1"/>
           </p:nvPr>
         </p:nvSpPr>
-        <p:spPr/>
+        <p:spPr>
+          <a:xfrm>
+            <a:off x="838200" y="1047426"/>
+            <a:ext cx="10515600" cy="5739324"/>
+          </a:xfrm>
+        </p:spPr>
         <p:txBody>
           <a:bodyPr>
-            <a:normAutofit/>
+            <a:normAutofit fontScale="85000" lnSpcReduction="20000"/>
           </a:bodyPr>
           <a:lstStyle/>
           <a:p>
             <a:r>
-              <a:rPr lang="en-US" b="1" dirty="0" smtClean="0">
-                <a:solidFill>
-                  <a:srgbClr val="F3B217"/>
-                </a:solidFill>
-              </a:rPr>
-              <a:t>Interrupt-Driven </a:t>
-            </a:r>
-            <a:r>
-              <a:rPr lang="en-US" b="1" dirty="0" smtClean="0">
-                <a:solidFill>
-                  <a:srgbClr val="F3B217"/>
-                </a:solidFill>
-              </a:rPr>
-              <a:t>I/O </a:t>
-            </a:r>
-            <a:r>
-              <a:rPr lang="en-US" dirty="0" smtClean="0"/>
-              <a:t>is an I/O scheme that employs interrupts to indicate to the processor that an I/O device </a:t>
-            </a:r>
-            <a:r>
-              <a:rPr lang="en-US" dirty="0" smtClean="0"/>
-              <a:t>needs </a:t>
-            </a:r>
-            <a:r>
-              <a:rPr lang="en-US" dirty="0" smtClean="0"/>
-              <a:t>attention</a:t>
-            </a:r>
-            <a:r>
-              <a:rPr lang="en-US" dirty="0" smtClean="0"/>
-              <a:t>.</a:t>
-            </a:r>
-            <a:endParaRPr lang="ru-RU" dirty="0" smtClean="0"/>
-          </a:p>
-          <a:p>
-            <a:r>
-              <a:rPr lang="en-US" b="1" dirty="0" smtClean="0">
-                <a:solidFill>
-                  <a:srgbClr val="F7B217"/>
-                </a:solidFill>
-              </a:rPr>
-              <a:t>Polling</a:t>
-            </a:r>
-            <a:r>
-              <a:rPr lang="en-US" dirty="0" smtClean="0"/>
-              <a:t> is the process </a:t>
-            </a:r>
-            <a:r>
-              <a:rPr lang="en-US" dirty="0" smtClean="0"/>
-              <a:t>of periodically checking the status of an I/O device to determine the need to service the device</a:t>
-            </a:r>
-            <a:r>
-              <a:rPr lang="en-US" dirty="0" smtClean="0"/>
-              <a:t>.</a:t>
-            </a:r>
-          </a:p>
-          <a:p>
-            <a:r>
-              <a:rPr lang="en-US" b="1" dirty="0" smtClean="0">
-                <a:solidFill>
-                  <a:srgbClr val="F7B217"/>
-                </a:solidFill>
-              </a:rPr>
-              <a:t>Device driver </a:t>
-            </a:r>
-            <a:r>
-              <a:rPr lang="en-US" dirty="0" smtClean="0"/>
-              <a:t>is a program </a:t>
-            </a:r>
-            <a:r>
-              <a:rPr lang="en-US" dirty="0" smtClean="0"/>
-              <a:t>that controls an I/O device that is attached to the computer.</a:t>
-            </a:r>
+              <a:rPr lang="en-US" sz="4200" dirty="0" smtClean="0"/>
+              <a:t>Programmed I/O</a:t>
+            </a:r>
+          </a:p>
+          <a:p>
+            <a:pPr lvl="1">
+              <a:lnSpc>
+                <a:spcPct val="100000"/>
+              </a:lnSpc>
+              <a:spcBef>
+                <a:spcPts val="0"/>
+              </a:spcBef>
+            </a:pPr>
+            <a:r>
+              <a:rPr lang="en-US" sz="3300" dirty="0" smtClean="0"/>
+              <a:t>Data are exchanged between the processor and the I/O module</a:t>
+            </a:r>
+          </a:p>
+          <a:p>
+            <a:pPr lvl="1">
+              <a:lnSpc>
+                <a:spcPct val="100000"/>
+              </a:lnSpc>
+              <a:spcBef>
+                <a:spcPts val="0"/>
+              </a:spcBef>
+            </a:pPr>
+            <a:r>
+              <a:rPr lang="en-US" sz="3300" dirty="0" smtClean="0"/>
+              <a:t>Processor executes a program that gives it direct control of the I/O operation</a:t>
+            </a:r>
+          </a:p>
+          <a:p>
+            <a:pPr lvl="1">
+              <a:lnSpc>
+                <a:spcPct val="100000"/>
+              </a:lnSpc>
+              <a:spcBef>
+                <a:spcPts val="0"/>
+              </a:spcBef>
+            </a:pPr>
+            <a:r>
+              <a:rPr lang="en-US" sz="3300" dirty="0" smtClean="0"/>
+              <a:t>When the processor issues a command it must wait until the I/O operation is complete</a:t>
+            </a:r>
+          </a:p>
+          <a:p>
+            <a:pPr lvl="1">
+              <a:lnSpc>
+                <a:spcPct val="100000"/>
+              </a:lnSpc>
+              <a:spcBef>
+                <a:spcPts val="0"/>
+              </a:spcBef>
+            </a:pPr>
+            <a:r>
+              <a:rPr lang="en-US" sz="3300" dirty="0" smtClean="0"/>
+              <a:t>If the processor is faster than the I/O module this is wasteful of processor time</a:t>
+            </a:r>
+          </a:p>
+          <a:p>
+            <a:r>
+              <a:rPr lang="en-US" sz="4200" dirty="0" smtClean="0"/>
+              <a:t>Interrupt-driven I/O</a:t>
+            </a:r>
+          </a:p>
+          <a:p>
+            <a:pPr lvl="1">
+              <a:lnSpc>
+                <a:spcPct val="100000"/>
+              </a:lnSpc>
+              <a:spcBef>
+                <a:spcPts val="0"/>
+              </a:spcBef>
+            </a:pPr>
+            <a:r>
+              <a:rPr lang="en-US" sz="3300" dirty="0" smtClean="0"/>
+              <a:t>Processor issues an I/O command, continues to execute other instructions, and is interrupted by the I/O module when the latter has completed its work</a:t>
+            </a:r>
+          </a:p>
+          <a:p>
+            <a:r>
+              <a:rPr lang="en-US" sz="4200" dirty="0" smtClean="0"/>
+              <a:t>Direct memory access (DMA)</a:t>
+            </a:r>
+          </a:p>
+          <a:p>
+            <a:pPr lvl="1">
+              <a:lnSpc>
+                <a:spcPct val="100000"/>
+              </a:lnSpc>
+              <a:spcBef>
+                <a:spcPts val="0"/>
+              </a:spcBef>
+            </a:pPr>
+            <a:r>
+              <a:rPr lang="en-US" sz="3300" dirty="0" smtClean="0"/>
+              <a:t>The I/O module and main memory exchange data directly without processor involvement</a:t>
+            </a:r>
+          </a:p>
+          <a:p>
             <a:endParaRPr lang="ru-RU" dirty="0"/>
           </a:p>
         </p:txBody>
@@ -5441,7 +5561,11 @@
           <a:p>
             <a:r>
               <a:rPr lang="en-US" dirty="0" smtClean="0"/>
-              <a:t>Memory-Mapped I/O</a:t>
+              <a:t>Three Techniques for I/O </a:t>
+            </a:r>
+            <a:r>
+              <a:rPr lang="en-US" dirty="0" smtClean="0"/>
+              <a:t>Operations</a:t>
             </a:r>
             <a:endParaRPr lang="ru-RU" dirty="0"/>
           </a:p>
@@ -5452,6 +5576,13 @@
   <p:clrMapOvr>
     <a:masterClrMapping/>
   </p:clrMapOvr>
+  <p:timing>
+    <p:tnLst>
+      <p:par>
+        <p:cTn id="1" dur="indefinite" restart="never" nodeType="tmRoot"/>
+      </p:par>
+    </p:tnLst>
+  </p:timing>
 </p:sld>
 </file>
 
@@ -5474,6 +5605,474 @@
       </p:grpSpPr>
       <p:sp>
         <p:nvSpPr>
+          <p:cNvPr id="2" name="Содержимое 1"/>
+          <p:cNvSpPr>
+            <a:spLocks noGrp="1"/>
+          </p:cNvSpPr>
+          <p:nvPr>
+            <p:ph idx="1"/>
+          </p:nvPr>
+        </p:nvSpPr>
+        <p:spPr/>
+        <p:txBody>
+          <a:bodyPr>
+            <a:normAutofit/>
+          </a:bodyPr>
+          <a:lstStyle/>
+          <a:p>
+            <a:pPr>
+              <a:lnSpc>
+                <a:spcPct val="100000"/>
+              </a:lnSpc>
+              <a:spcBef>
+                <a:spcPts val="1800"/>
+              </a:spcBef>
+            </a:pPr>
+            <a:r>
+              <a:rPr lang="en-US" dirty="0" smtClean="0"/>
+              <a:t>Processor accesses I/O devices just like memory (like keyboards, monitors, printers)</a:t>
+            </a:r>
+          </a:p>
+          <a:p>
+            <a:pPr>
+              <a:lnSpc>
+                <a:spcPct val="100000"/>
+              </a:lnSpc>
+              <a:spcBef>
+                <a:spcPts val="1800"/>
+              </a:spcBef>
+            </a:pPr>
+            <a:r>
+              <a:rPr lang="en-US" dirty="0" smtClean="0"/>
+              <a:t>Each I/O device assigned one or more address</a:t>
+            </a:r>
+          </a:p>
+          <a:p>
+            <a:pPr>
+              <a:lnSpc>
+                <a:spcPct val="100000"/>
+              </a:lnSpc>
+              <a:spcBef>
+                <a:spcPts val="1800"/>
+              </a:spcBef>
+            </a:pPr>
+            <a:r>
+              <a:rPr lang="en-US" dirty="0" smtClean="0"/>
+              <a:t>When that address is detected, data read/written to I/O device instead of memory</a:t>
+            </a:r>
+          </a:p>
+          <a:p>
+            <a:pPr>
+              <a:lnSpc>
+                <a:spcPct val="100000"/>
+              </a:lnSpc>
+              <a:spcBef>
+                <a:spcPts val="1800"/>
+              </a:spcBef>
+            </a:pPr>
+            <a:r>
+              <a:rPr lang="en-US" dirty="0" smtClean="0"/>
+              <a:t>A portion of the address space dedicated to I/O devices</a:t>
+            </a:r>
+            <a:endParaRPr lang="en-US" dirty="0"/>
+          </a:p>
+        </p:txBody>
+      </p:sp>
+      <p:sp>
+        <p:nvSpPr>
+          <p:cNvPr id="3" name="Номер слайда 2"/>
+          <p:cNvSpPr>
+            <a:spLocks noGrp="1"/>
+          </p:cNvSpPr>
+          <p:nvPr>
+            <p:ph type="sldNum" sz="quarter" idx="12"/>
+          </p:nvPr>
+        </p:nvSpPr>
+        <p:spPr/>
+        <p:txBody>
+          <a:bodyPr/>
+          <a:lstStyle/>
+          <a:p>
+            <a:pPr algn="ctr"/>
+            <a:fld id="{1397BFD8-F312-4EF2-A268-44FB4BDDBBB0}" type="slidenum">
+              <a:rPr lang="ru-RU" smtClean="0"/>
+              <a:pPr algn="ctr"/>
+              <a:t>6</a:t>
+            </a:fld>
+            <a:endParaRPr lang="ru-RU" dirty="0"/>
+          </a:p>
+        </p:txBody>
+      </p:sp>
+      <p:sp>
+        <p:nvSpPr>
+          <p:cNvPr id="4" name="Заголовок 3"/>
+          <p:cNvSpPr>
+            <a:spLocks noGrp="1"/>
+          </p:cNvSpPr>
+          <p:nvPr>
+            <p:ph type="title"/>
+          </p:nvPr>
+        </p:nvSpPr>
+        <p:spPr/>
+        <p:txBody>
+          <a:bodyPr/>
+          <a:lstStyle/>
+          <a:p>
+            <a:r>
+              <a:rPr lang="en-US" dirty="0" smtClean="0"/>
+              <a:t>Memory-Mapped I/O</a:t>
+            </a:r>
+            <a:endParaRPr lang="ru-RU" dirty="0"/>
+          </a:p>
+        </p:txBody>
+      </p:sp>
+    </p:spTree>
+  </p:cSld>
+  <p:clrMapOvr>
+    <a:masterClrMapping/>
+  </p:clrMapOvr>
+  <p:timing>
+    <p:tnLst>
+      <p:par>
+        <p:cTn id="1" dur="indefinite" restart="never" nodeType="tmRoot"/>
+      </p:par>
+    </p:tnLst>
+  </p:timing>
+</p:sld>
+</file>
+
+<file path=ppt/slides/slide7.xml><?xml version="1.0" encoding="utf-8"?>
+<p:sld xmlns:a="http://schemas.openxmlformats.org/drawingml/2006/main" xmlns:r="http://schemas.openxmlformats.org/officeDocument/2006/relationships" xmlns:p="http://schemas.openxmlformats.org/presentationml/2006/main">
+  <p:cSld>
+    <p:spTree>
+      <p:nvGrpSpPr>
+        <p:cNvPr id="1" name=""/>
+        <p:cNvGrpSpPr/>
+        <p:nvPr/>
+      </p:nvGrpSpPr>
+      <p:grpSpPr>
+        <a:xfrm>
+          <a:off x="0" y="0"/>
+          <a:ext cx="0" cy="0"/>
+          <a:chOff x="0" y="0"/>
+          <a:chExt cx="0" cy="0"/>
+        </a:xfrm>
+      </p:grpSpPr>
+      <p:sp>
+        <p:nvSpPr>
+          <p:cNvPr id="2" name="Содержимое 1"/>
+          <p:cNvSpPr>
+            <a:spLocks noGrp="1"/>
+          </p:cNvSpPr>
+          <p:nvPr>
+            <p:ph idx="1"/>
+          </p:nvPr>
+        </p:nvSpPr>
+        <p:spPr/>
+        <p:txBody>
+          <a:bodyPr>
+            <a:normAutofit/>
+          </a:bodyPr>
+          <a:lstStyle/>
+          <a:p>
+            <a:r>
+              <a:rPr lang="en-US" b="1" dirty="0" smtClean="0">
+                <a:solidFill>
+                  <a:srgbClr val="F3B217"/>
+                </a:solidFill>
+              </a:rPr>
+              <a:t>Memory-Mapped I/O</a:t>
+            </a:r>
+            <a:r>
+              <a:rPr lang="en-US" dirty="0" smtClean="0"/>
+              <a:t> is an I/O scheme in which portions of the address space are assigned to I/O devices, and reads and writes to those addresses are interpreted as commands to the I/O </a:t>
+            </a:r>
+            <a:r>
+              <a:rPr lang="en-US" dirty="0" smtClean="0"/>
+              <a:t>device</a:t>
+            </a:r>
+          </a:p>
+          <a:p>
+            <a:r>
+              <a:rPr lang="en-US" b="1" dirty="0" smtClean="0">
+                <a:solidFill>
+                  <a:srgbClr val="F3B217"/>
+                </a:solidFill>
+              </a:rPr>
+              <a:t>Direct </a:t>
+            </a:r>
+            <a:r>
+              <a:rPr lang="en-US" b="1" dirty="0" smtClean="0">
+                <a:solidFill>
+                  <a:srgbClr val="F3B217"/>
+                </a:solidFill>
+              </a:rPr>
+              <a:t>Memory Access (DMA) </a:t>
+            </a:r>
+            <a:r>
+              <a:rPr lang="en-US" dirty="0" smtClean="0"/>
+              <a:t>is a mechanism that provides a device controller with the ability to transfer data directly to or from the memory without involving the </a:t>
+            </a:r>
+            <a:r>
+              <a:rPr lang="en-US" dirty="0" smtClean="0"/>
+              <a:t>processor</a:t>
+            </a:r>
+            <a:endParaRPr lang="ru-RU" dirty="0"/>
+          </a:p>
+        </p:txBody>
+      </p:sp>
+      <p:sp>
+        <p:nvSpPr>
+          <p:cNvPr id="3" name="Номер слайда 2"/>
+          <p:cNvSpPr>
+            <a:spLocks noGrp="1"/>
+          </p:cNvSpPr>
+          <p:nvPr>
+            <p:ph type="sldNum" sz="quarter" idx="12"/>
+          </p:nvPr>
+        </p:nvSpPr>
+        <p:spPr/>
+        <p:txBody>
+          <a:bodyPr/>
+          <a:lstStyle/>
+          <a:p>
+            <a:pPr algn="ctr"/>
+            <a:fld id="{1397BFD8-F312-4EF2-A268-44FB4BDDBBB0}" type="slidenum">
+              <a:rPr lang="ru-RU" smtClean="0"/>
+              <a:pPr algn="ctr"/>
+              <a:t>7</a:t>
+            </a:fld>
+            <a:endParaRPr lang="ru-RU" dirty="0"/>
+          </a:p>
+        </p:txBody>
+      </p:sp>
+      <p:sp>
+        <p:nvSpPr>
+          <p:cNvPr id="4" name="Заголовок 3"/>
+          <p:cNvSpPr>
+            <a:spLocks noGrp="1"/>
+          </p:cNvSpPr>
+          <p:nvPr>
+            <p:ph type="title"/>
+          </p:nvPr>
+        </p:nvSpPr>
+        <p:spPr/>
+        <p:txBody>
+          <a:bodyPr/>
+          <a:lstStyle/>
+          <a:p>
+            <a:r>
+              <a:rPr lang="en-US" dirty="0" smtClean="0"/>
+              <a:t>Memory-Mapped I/O</a:t>
+            </a:r>
+            <a:endParaRPr lang="ru-RU" dirty="0"/>
+          </a:p>
+        </p:txBody>
+      </p:sp>
+    </p:spTree>
+  </p:cSld>
+  <p:clrMapOvr>
+    <a:masterClrMapping/>
+  </p:clrMapOvr>
+  <p:timing>
+    <p:tnLst>
+      <p:par>
+        <p:cTn id="1" dur="indefinite" restart="never" nodeType="tmRoot"/>
+      </p:par>
+    </p:tnLst>
+  </p:timing>
+</p:sld>
+</file>
+
+<file path=ppt/slides/slide8.xml><?xml version="1.0" encoding="utf-8"?>
+<p:sld xmlns:a="http://schemas.openxmlformats.org/drawingml/2006/main" xmlns:r="http://schemas.openxmlformats.org/officeDocument/2006/relationships" xmlns:p="http://schemas.openxmlformats.org/presentationml/2006/main">
+  <p:cSld>
+    <p:spTree>
+      <p:nvGrpSpPr>
+        <p:cNvPr id="1" name=""/>
+        <p:cNvGrpSpPr/>
+        <p:nvPr/>
+      </p:nvGrpSpPr>
+      <p:grpSpPr>
+        <a:xfrm>
+          <a:off x="0" y="0"/>
+          <a:ext cx="0" cy="0"/>
+          <a:chOff x="0" y="0"/>
+          <a:chExt cx="0" cy="0"/>
+        </a:xfrm>
+      </p:grpSpPr>
+      <p:sp>
+        <p:nvSpPr>
+          <p:cNvPr id="2" name="Содержимое 1"/>
+          <p:cNvSpPr>
+            <a:spLocks noGrp="1"/>
+          </p:cNvSpPr>
+          <p:nvPr>
+            <p:ph idx="1"/>
+          </p:nvPr>
+        </p:nvSpPr>
+        <p:spPr/>
+        <p:txBody>
+          <a:bodyPr>
+            <a:normAutofit/>
+          </a:bodyPr>
+          <a:lstStyle/>
+          <a:p>
+            <a:r>
+              <a:rPr lang="en-US" b="1" dirty="0" smtClean="0">
+                <a:solidFill>
+                  <a:srgbClr val="F3B217"/>
+                </a:solidFill>
+              </a:rPr>
+              <a:t>Interrupt-Driven </a:t>
+            </a:r>
+            <a:r>
+              <a:rPr lang="en-US" b="1" dirty="0" smtClean="0">
+                <a:solidFill>
+                  <a:srgbClr val="F3B217"/>
+                </a:solidFill>
+              </a:rPr>
+              <a:t>I/O </a:t>
+            </a:r>
+            <a:r>
+              <a:rPr lang="en-US" dirty="0" smtClean="0"/>
+              <a:t>is an I/O scheme that employs interrupts to indicate to the processor that an I/O device </a:t>
+            </a:r>
+            <a:r>
+              <a:rPr lang="en-US" dirty="0" smtClean="0"/>
+              <a:t>needs attention</a:t>
+            </a:r>
+            <a:endParaRPr lang="ru-RU" dirty="0" smtClean="0"/>
+          </a:p>
+          <a:p>
+            <a:r>
+              <a:rPr lang="en-US" b="1" dirty="0" smtClean="0">
+                <a:solidFill>
+                  <a:srgbClr val="F7B217"/>
+                </a:solidFill>
+              </a:rPr>
+              <a:t>Polling</a:t>
+            </a:r>
+            <a:r>
+              <a:rPr lang="en-US" dirty="0" smtClean="0"/>
+              <a:t> is the process </a:t>
+            </a:r>
+            <a:r>
+              <a:rPr lang="en-US" dirty="0" smtClean="0"/>
+              <a:t>of periodically checking the status of an I/O device to determine the need to service the </a:t>
+            </a:r>
+            <a:r>
+              <a:rPr lang="en-US" dirty="0" smtClean="0"/>
+              <a:t>device</a:t>
+            </a:r>
+          </a:p>
+          <a:p>
+            <a:r>
+              <a:rPr lang="en-US" b="1" dirty="0" smtClean="0">
+                <a:solidFill>
+                  <a:srgbClr val="F7B217"/>
+                </a:solidFill>
+              </a:rPr>
+              <a:t>Device Driver </a:t>
+            </a:r>
+            <a:r>
+              <a:rPr lang="en-US" dirty="0" smtClean="0"/>
+              <a:t>is a program </a:t>
+            </a:r>
+            <a:r>
+              <a:rPr lang="en-US" dirty="0" smtClean="0"/>
+              <a:t>that controls an I/O device that is attached to the </a:t>
+            </a:r>
+            <a:r>
+              <a:rPr lang="en-US" dirty="0" smtClean="0"/>
+              <a:t>computer</a:t>
+            </a:r>
+            <a:endParaRPr lang="ru-RU" dirty="0"/>
+          </a:p>
+        </p:txBody>
+      </p:sp>
+      <p:sp>
+        <p:nvSpPr>
+          <p:cNvPr id="3" name="Номер слайда 2"/>
+          <p:cNvSpPr>
+            <a:spLocks noGrp="1"/>
+          </p:cNvSpPr>
+          <p:nvPr>
+            <p:ph type="sldNum" sz="quarter" idx="12"/>
+          </p:nvPr>
+        </p:nvSpPr>
+        <p:spPr/>
+        <p:txBody>
+          <a:bodyPr/>
+          <a:lstStyle/>
+          <a:p>
+            <a:pPr algn="ctr"/>
+            <a:fld id="{1397BFD8-F312-4EF2-A268-44FB4BDDBBB0}" type="slidenum">
+              <a:rPr lang="ru-RU" smtClean="0"/>
+              <a:pPr algn="ctr"/>
+              <a:t>8</a:t>
+            </a:fld>
+            <a:endParaRPr lang="ru-RU" dirty="0"/>
+          </a:p>
+        </p:txBody>
+      </p:sp>
+      <p:sp>
+        <p:nvSpPr>
+          <p:cNvPr id="4" name="Заголовок 3"/>
+          <p:cNvSpPr>
+            <a:spLocks noGrp="1"/>
+          </p:cNvSpPr>
+          <p:nvPr>
+            <p:ph type="title"/>
+          </p:nvPr>
+        </p:nvSpPr>
+        <p:spPr/>
+        <p:txBody>
+          <a:bodyPr/>
+          <a:lstStyle/>
+          <a:p>
+            <a:r>
+              <a:rPr lang="en-US" dirty="0" smtClean="0"/>
+              <a:t>Memory-Mapped I/O</a:t>
+            </a:r>
+            <a:endParaRPr lang="ru-RU" dirty="0"/>
+          </a:p>
+        </p:txBody>
+      </p:sp>
+    </p:spTree>
+  </p:cSld>
+  <p:clrMapOvr>
+    <a:masterClrMapping/>
+  </p:clrMapOvr>
+  <p:timing>
+    <p:tnLst>
+      <p:par>
+        <p:cTn id="1" dur="indefinite" restart="never" nodeType="tmRoot"/>
+      </p:par>
+    </p:tnLst>
+  </p:timing>
+</p:sld>
+</file>
+
+<file path=ppt/slides/slide9.xml><?xml version="1.0" encoding="utf-8"?>
+<p:sld xmlns:a="http://schemas.openxmlformats.org/drawingml/2006/main" xmlns:r="http://schemas.openxmlformats.org/officeDocument/2006/relationships" xmlns:p="http://schemas.openxmlformats.org/presentationml/2006/main">
+  <p:cSld>
+    <p:spTree>
+      <p:nvGrpSpPr>
+        <p:cNvPr id="1" name=""/>
+        <p:cNvGrpSpPr/>
+        <p:nvPr/>
+      </p:nvGrpSpPr>
+      <p:grpSpPr>
+        <a:xfrm>
+          <a:off x="0" y="0"/>
+          <a:ext cx="0" cy="0"/>
+          <a:chOff x="0" y="0"/>
+          <a:chExt cx="0" cy="0"/>
+        </a:xfrm>
+      </p:grpSpPr>
+      <p:sp>
+        <p:nvSpPr>
           <p:cNvPr id="4" name="Прямоугольник 3"/>
           <p:cNvSpPr/>
           <p:nvPr/>
@@ -5954,7 +6553,7 @@
             <a:fld id="{1397BFD8-F312-4EF2-A268-44FB4BDDBBB0}" type="slidenum">
               <a:rPr lang="ru-RU" smtClean="0"/>
               <a:pPr algn="ctr"/>
-              <a:t>6</a:t>
+              <a:t>9</a:t>
             </a:fld>
             <a:endParaRPr lang="ru-RU" dirty="0"/>
           </a:p>

--- a/docs/part1ca/08_MMIO/CA_Lecture_08.pptx
+++ b/docs/part1ca/08_MMIO/CA_Lecture_08.pptx
@@ -5,10 +5,10 @@
     <p:sldMasterId id="2147483648" r:id="rId1"/>
   </p:sldMasterIdLst>
   <p:notesMasterIdLst>
-    <p:notesMasterId r:id="rId11"/>
+    <p:notesMasterId r:id="rId14"/>
   </p:notesMasterIdLst>
   <p:handoutMasterIdLst>
-    <p:handoutMasterId r:id="rId12"/>
+    <p:handoutMasterId r:id="rId15"/>
   </p:handoutMasterIdLst>
   <p:sldIdLst>
     <p:sldId id="256" r:id="rId2"/>
@@ -16,10 +16,13 @@
     <p:sldId id="365" r:id="rId4"/>
     <p:sldId id="368" r:id="rId5"/>
     <p:sldId id="367" r:id="rId6"/>
-    <p:sldId id="369" r:id="rId7"/>
-    <p:sldId id="362" r:id="rId8"/>
-    <p:sldId id="363" r:id="rId9"/>
-    <p:sldId id="272" r:id="rId10"/>
+    <p:sldId id="370" r:id="rId7"/>
+    <p:sldId id="369" r:id="rId8"/>
+    <p:sldId id="362" r:id="rId9"/>
+    <p:sldId id="363" r:id="rId10"/>
+    <p:sldId id="371" r:id="rId11"/>
+    <p:sldId id="372" r:id="rId12"/>
+    <p:sldId id="272" r:id="rId13"/>
   </p:sldIdLst>
   <p:sldSz cx="12192000" cy="6858000"/>
   <p:notesSz cx="6858000" cy="9144000"/>
@@ -907,7 +910,7 @@
             <a:fld id="{5583B3A5-99BF-45D9-956B-DC57CC23AD97}" type="slidenum">
               <a:rPr lang="ru-RU" smtClean="0"/>
               <a:pPr/>
-              <a:t>9</a:t>
+              <a:t>12</a:t>
             </a:fld>
             <a:endParaRPr lang="ru-RU"/>
           </a:p>
@@ -4215,6 +4218,921 @@
 </p:sld>
 </file>
 
+<file path=ppt/slides/slide10.xml><?xml version="1.0" encoding="utf-8"?>
+<p:sld xmlns:a="http://schemas.openxmlformats.org/drawingml/2006/main" xmlns:r="http://schemas.openxmlformats.org/officeDocument/2006/relationships" xmlns:p="http://schemas.openxmlformats.org/presentationml/2006/main">
+  <p:cSld>
+    <p:spTree>
+      <p:nvGrpSpPr>
+        <p:cNvPr id="1" name=""/>
+        <p:cNvGrpSpPr/>
+        <p:nvPr/>
+      </p:nvGrpSpPr>
+      <p:grpSpPr>
+        <a:xfrm>
+          <a:off x="0" y="0"/>
+          <a:ext cx="0" cy="0"/>
+          <a:chOff x="0" y="0"/>
+          <a:chExt cx="0" cy="0"/>
+        </a:xfrm>
+      </p:grpSpPr>
+      <p:sp>
+        <p:nvSpPr>
+          <p:cNvPr id="3" name="Номер слайда 2"/>
+          <p:cNvSpPr>
+            <a:spLocks noGrp="1"/>
+          </p:cNvSpPr>
+          <p:nvPr>
+            <p:ph type="sldNum" sz="quarter" idx="12"/>
+          </p:nvPr>
+        </p:nvSpPr>
+        <p:spPr/>
+        <p:txBody>
+          <a:bodyPr/>
+          <a:lstStyle/>
+          <a:p>
+            <a:pPr algn="ctr"/>
+            <a:fld id="{1397BFD8-F312-4EF2-A268-44FB4BDDBBB0}" type="slidenum">
+              <a:rPr lang="ru-RU" smtClean="0"/>
+              <a:pPr algn="ctr"/>
+              <a:t>10</a:t>
+            </a:fld>
+            <a:endParaRPr lang="ru-RU" dirty="0"/>
+          </a:p>
+        </p:txBody>
+      </p:sp>
+      <p:sp>
+        <p:nvSpPr>
+          <p:cNvPr id="4" name="Заголовок 3"/>
+          <p:cNvSpPr>
+            <a:spLocks noGrp="1"/>
+          </p:cNvSpPr>
+          <p:nvPr>
+            <p:ph type="title"/>
+          </p:nvPr>
+        </p:nvSpPr>
+        <p:spPr/>
+        <p:txBody>
+          <a:bodyPr/>
+          <a:lstStyle/>
+          <a:p>
+            <a:r>
+              <a:rPr lang="en-US" dirty="0" smtClean="0"/>
+              <a:t>Example: RARS Digital Lab </a:t>
+            </a:r>
+            <a:r>
+              <a:rPr lang="en-US" dirty="0" err="1" smtClean="0"/>
+              <a:t>Sim</a:t>
+            </a:r>
+            <a:endParaRPr lang="ru-RU" dirty="0"/>
+          </a:p>
+        </p:txBody>
+      </p:sp>
+      <p:pic>
+        <p:nvPicPr>
+          <p:cNvPr id="7" name="Рисунок 6" descr="Screenshot 2021-02-03 at 15.53.53.png"/>
+          <p:cNvPicPr>
+            <a:picLocks noChangeAspect="1"/>
+          </p:cNvPicPr>
+          <p:nvPr/>
+        </p:nvPicPr>
+        <p:blipFill>
+          <a:blip r:embed="rId2" cstate="print"/>
+          <a:stretch>
+            <a:fillRect/>
+          </a:stretch>
+        </p:blipFill>
+        <p:spPr>
+          <a:xfrm>
+            <a:off x="809856" y="1299939"/>
+            <a:ext cx="5856923" cy="4705350"/>
+          </a:xfrm>
+          <a:prstGeom prst="rect">
+            <a:avLst/>
+          </a:prstGeom>
+        </p:spPr>
+      </p:pic>
+      <p:sp>
+        <p:nvSpPr>
+          <p:cNvPr id="8" name="Содержимое 1"/>
+          <p:cNvSpPr>
+            <a:spLocks noGrp="1"/>
+          </p:cNvSpPr>
+          <p:nvPr>
+            <p:ph idx="1"/>
+          </p:nvPr>
+        </p:nvSpPr>
+        <p:spPr>
+          <a:xfrm>
+            <a:off x="6807200" y="1163540"/>
+            <a:ext cx="4789714" cy="5251774"/>
+          </a:xfrm>
+        </p:spPr>
+        <p:txBody>
+          <a:bodyPr>
+            <a:noAutofit/>
+          </a:bodyPr>
+          <a:lstStyle/>
+          <a:p>
+            <a:pPr marL="0" indent="0">
+              <a:buNone/>
+            </a:pPr>
+            <a:r>
+              <a:rPr lang="en-US" sz="2400" b="1" dirty="0" smtClean="0"/>
+              <a:t>Seven segment display</a:t>
+            </a:r>
+          </a:p>
+          <a:p>
+            <a:pPr marL="0" indent="0"/>
+            <a:r>
+              <a:rPr lang="en-US" sz="2400" dirty="0" smtClean="0"/>
+              <a:t>Byte </a:t>
+            </a:r>
+            <a:r>
+              <a:rPr lang="en-US" sz="2400" dirty="0" smtClean="0"/>
+              <a:t>value at address </a:t>
+            </a:r>
+            <a:r>
+              <a:rPr lang="en-US" sz="2400" b="1" dirty="0" smtClean="0">
+                <a:solidFill>
+                  <a:srgbClr val="F3B217"/>
+                </a:solidFill>
+              </a:rPr>
+              <a:t>0xffff0010</a:t>
+            </a:r>
+            <a:r>
+              <a:rPr lang="en-US" sz="2400" dirty="0" smtClean="0"/>
+              <a:t>: </a:t>
+            </a:r>
+            <a:r>
+              <a:rPr lang="en-US" sz="2400" dirty="0" smtClean="0"/>
+              <a:t>command right </a:t>
+            </a:r>
+            <a:r>
+              <a:rPr lang="en-US" sz="2400" dirty="0" smtClean="0"/>
+              <a:t>segment </a:t>
+            </a:r>
+            <a:r>
+              <a:rPr lang="en-US" sz="2400" dirty="0" smtClean="0"/>
+              <a:t>display </a:t>
+            </a:r>
+          </a:p>
+          <a:p>
+            <a:pPr marL="0" indent="0"/>
+            <a:r>
+              <a:rPr lang="en-US" sz="2400" dirty="0" smtClean="0"/>
+              <a:t>Byte </a:t>
+            </a:r>
+            <a:r>
+              <a:rPr lang="en-US" sz="2400" dirty="0" smtClean="0"/>
+              <a:t>value at address </a:t>
+            </a:r>
+            <a:r>
+              <a:rPr lang="en-US" sz="2400" b="1" dirty="0" smtClean="0">
+                <a:solidFill>
+                  <a:srgbClr val="F3B217"/>
+                </a:solidFill>
+              </a:rPr>
+              <a:t>0xffff0011</a:t>
+            </a:r>
+            <a:r>
+              <a:rPr lang="en-US" sz="2400" dirty="0" smtClean="0"/>
+              <a:t>: </a:t>
+            </a:r>
+            <a:r>
+              <a:rPr lang="en-US" sz="2400" dirty="0" smtClean="0"/>
+              <a:t>command left </a:t>
+            </a:r>
+            <a:r>
+              <a:rPr lang="en-US" sz="2400" dirty="0" smtClean="0"/>
+              <a:t>segment </a:t>
+            </a:r>
+            <a:r>
+              <a:rPr lang="en-US" sz="2400" dirty="0" smtClean="0"/>
+              <a:t>display </a:t>
+            </a:r>
+          </a:p>
+          <a:p>
+            <a:pPr marL="0" indent="0">
+              <a:buNone/>
+            </a:pPr>
+            <a:r>
+              <a:rPr lang="en-US" sz="2400" b="1" dirty="0" smtClean="0"/>
+              <a:t>Hexadecimal </a:t>
+            </a:r>
+            <a:r>
+              <a:rPr lang="en-US" sz="2400" b="1" dirty="0" smtClean="0"/>
+              <a:t>keyboard</a:t>
+            </a:r>
+          </a:p>
+          <a:p>
+            <a:pPr marL="0" indent="0"/>
+            <a:r>
+              <a:rPr lang="en-US" sz="2400" dirty="0" smtClean="0"/>
+              <a:t>Byte </a:t>
+            </a:r>
+            <a:r>
+              <a:rPr lang="en-US" sz="2400" dirty="0" smtClean="0"/>
+              <a:t>value at address </a:t>
+            </a:r>
+            <a:r>
+              <a:rPr lang="en-US" sz="2400" b="1" dirty="0" smtClean="0">
+                <a:solidFill>
+                  <a:srgbClr val="F3B217"/>
+                </a:solidFill>
+              </a:rPr>
+              <a:t>0xffff0012</a:t>
+            </a:r>
+            <a:r>
+              <a:rPr lang="en-US" sz="2400" dirty="0" smtClean="0"/>
+              <a:t>: </a:t>
+            </a:r>
+            <a:r>
+              <a:rPr lang="en-US" sz="2400" dirty="0" smtClean="0"/>
+              <a:t>command row number of hexadecimal keyboard (bit 0 to 3) and enable keyboard interrupt (bit 7</a:t>
+            </a:r>
+            <a:r>
+              <a:rPr lang="en-US" sz="2400" dirty="0" smtClean="0"/>
+              <a:t>)</a:t>
+            </a:r>
+          </a:p>
+          <a:p>
+            <a:pPr marL="0" indent="0"/>
+            <a:r>
+              <a:rPr lang="en-US" sz="2400" dirty="0" smtClean="0"/>
+              <a:t>Byte </a:t>
+            </a:r>
+            <a:r>
+              <a:rPr lang="en-US" sz="2400" dirty="0" smtClean="0"/>
+              <a:t>value at address </a:t>
+            </a:r>
+            <a:r>
+              <a:rPr lang="en-US" sz="2400" b="1" dirty="0" smtClean="0">
+                <a:solidFill>
+                  <a:srgbClr val="F3B217"/>
+                </a:solidFill>
+              </a:rPr>
+              <a:t>0xffff0014</a:t>
+            </a:r>
+            <a:r>
+              <a:rPr lang="en-US" sz="2400" dirty="0" smtClean="0"/>
+              <a:t>: </a:t>
+            </a:r>
+            <a:r>
+              <a:rPr lang="en-US" sz="2400" dirty="0" smtClean="0"/>
+              <a:t>receive row and column of the key pressed, 0 if not key pressed</a:t>
+            </a:r>
+            <a:endParaRPr lang="ru-RU" sz="2400" dirty="0"/>
+          </a:p>
+        </p:txBody>
+      </p:sp>
+    </p:spTree>
+  </p:cSld>
+  <p:clrMapOvr>
+    <a:masterClrMapping/>
+  </p:clrMapOvr>
+  <p:timing>
+    <p:tnLst>
+      <p:par>
+        <p:cTn id="1" dur="indefinite" restart="never" nodeType="tmRoot"/>
+      </p:par>
+    </p:tnLst>
+  </p:timing>
+</p:sld>
+</file>
+
+<file path=ppt/slides/slide11.xml><?xml version="1.0" encoding="utf-8"?>
+<p:sld xmlns:a="http://schemas.openxmlformats.org/drawingml/2006/main" xmlns:r="http://schemas.openxmlformats.org/officeDocument/2006/relationships" xmlns:p="http://schemas.openxmlformats.org/presentationml/2006/main">
+  <p:cSld>
+    <p:spTree>
+      <p:nvGrpSpPr>
+        <p:cNvPr id="1" name=""/>
+        <p:cNvGrpSpPr/>
+        <p:nvPr/>
+      </p:nvGrpSpPr>
+      <p:grpSpPr>
+        <a:xfrm>
+          <a:off x="0" y="0"/>
+          <a:ext cx="0" cy="0"/>
+          <a:chOff x="0" y="0"/>
+          <a:chExt cx="0" cy="0"/>
+        </a:xfrm>
+      </p:grpSpPr>
+      <p:sp>
+        <p:nvSpPr>
+          <p:cNvPr id="3" name="Номер слайда 2"/>
+          <p:cNvSpPr>
+            <a:spLocks noGrp="1"/>
+          </p:cNvSpPr>
+          <p:nvPr>
+            <p:ph type="sldNum" sz="quarter" idx="12"/>
+          </p:nvPr>
+        </p:nvSpPr>
+        <p:spPr/>
+        <p:txBody>
+          <a:bodyPr/>
+          <a:lstStyle/>
+          <a:p>
+            <a:pPr algn="ctr"/>
+            <a:fld id="{1397BFD8-F312-4EF2-A268-44FB4BDDBBB0}" type="slidenum">
+              <a:rPr lang="ru-RU" smtClean="0"/>
+              <a:pPr algn="ctr"/>
+              <a:t>11</a:t>
+            </a:fld>
+            <a:endParaRPr lang="ru-RU" dirty="0"/>
+          </a:p>
+        </p:txBody>
+      </p:sp>
+      <p:sp>
+        <p:nvSpPr>
+          <p:cNvPr id="4" name="Заголовок 3"/>
+          <p:cNvSpPr>
+            <a:spLocks noGrp="1"/>
+          </p:cNvSpPr>
+          <p:nvPr>
+            <p:ph type="title"/>
+          </p:nvPr>
+        </p:nvSpPr>
+        <p:spPr/>
+        <p:txBody>
+          <a:bodyPr/>
+          <a:lstStyle/>
+          <a:p>
+            <a:r>
+              <a:rPr lang="en-US" dirty="0" smtClean="0"/>
+              <a:t>Example: RARS </a:t>
+            </a:r>
+            <a:r>
+              <a:rPr lang="en-US" dirty="0" smtClean="0"/>
+              <a:t>Bitmap Display</a:t>
+            </a:r>
+            <a:endParaRPr lang="ru-RU" dirty="0"/>
+          </a:p>
+        </p:txBody>
+      </p:sp>
+      <p:pic>
+        <p:nvPicPr>
+          <p:cNvPr id="5" name="Рисунок 4" descr="Screenshot 2021-02-03 at 18.00.26.png"/>
+          <p:cNvPicPr>
+            <a:picLocks noChangeAspect="1"/>
+          </p:cNvPicPr>
+          <p:nvPr/>
+        </p:nvPicPr>
+        <p:blipFill>
+          <a:blip r:embed="rId2" cstate="print"/>
+          <a:stretch>
+            <a:fillRect/>
+          </a:stretch>
+        </p:blipFill>
+        <p:spPr>
+          <a:xfrm>
+            <a:off x="2362206" y="1178835"/>
+            <a:ext cx="7818120" cy="5434965"/>
+          </a:xfrm>
+          <a:prstGeom prst="rect">
+            <a:avLst/>
+          </a:prstGeom>
+        </p:spPr>
+      </p:pic>
+    </p:spTree>
+  </p:cSld>
+  <p:clrMapOvr>
+    <a:masterClrMapping/>
+  </p:clrMapOvr>
+  <p:timing>
+    <p:tnLst>
+      <p:par>
+        <p:cTn id="1" dur="indefinite" restart="never" nodeType="tmRoot"/>
+      </p:par>
+    </p:tnLst>
+  </p:timing>
+</p:sld>
+</file>
+
+<file path=ppt/slides/slide12.xml><?xml version="1.0" encoding="utf-8"?>
+<p:sld xmlns:a="http://schemas.openxmlformats.org/drawingml/2006/main" xmlns:r="http://schemas.openxmlformats.org/officeDocument/2006/relationships" xmlns:p="http://schemas.openxmlformats.org/presentationml/2006/main">
+  <p:cSld>
+    <p:spTree>
+      <p:nvGrpSpPr>
+        <p:cNvPr id="1" name=""/>
+        <p:cNvGrpSpPr/>
+        <p:nvPr/>
+      </p:nvGrpSpPr>
+      <p:grpSpPr>
+        <a:xfrm>
+          <a:off x="0" y="0"/>
+          <a:ext cx="0" cy="0"/>
+          <a:chOff x="0" y="0"/>
+          <a:chExt cx="0" cy="0"/>
+        </a:xfrm>
+      </p:grpSpPr>
+      <p:sp>
+        <p:nvSpPr>
+          <p:cNvPr id="4" name="Прямоугольник 3"/>
+          <p:cNvSpPr/>
+          <p:nvPr/>
+        </p:nvSpPr>
+        <p:spPr>
+          <a:xfrm>
+            <a:off x="2664999" y="472120"/>
+            <a:ext cx="7524751" cy="5262979"/>
+          </a:xfrm>
+          <a:prstGeom prst="rect">
+            <a:avLst/>
+          </a:prstGeom>
+          <a:noFill/>
+          <a:ln>
+            <a:noFill/>
+          </a:ln>
+          <a:scene3d>
+            <a:camera prst="perspectiveRelaxed"/>
+            <a:lightRig rig="threePt" dir="t"/>
+          </a:scene3d>
+        </p:spPr>
+        <p:txBody>
+          <a:bodyPr wrap="square" lIns="91440" tIns="45720" rIns="91440" bIns="45720">
+            <a:spAutoFit/>
+          </a:bodyPr>
+          <a:lstStyle/>
+          <a:p>
+            <a:r>
+              <a:rPr lang="en-US" sz="2400" dirty="0" smtClean="0">
+                <a:ln w="0"/>
+                <a:solidFill>
+                  <a:srgbClr val="273272"/>
+                </a:solidFill>
+                <a:effectLst>
+                  <a:reflection blurRad="6350" stA="53000" endA="300" endPos="35500" dir="5400000" sy="-90000" algn="bl" rotWithShape="0"/>
+                </a:effectLst>
+                <a:latin typeface="Courier New" pitchFamily="49" charset="0"/>
+                <a:cs typeface="Courier New" pitchFamily="49" charset="0"/>
+              </a:rPr>
+              <a:t>		</a:t>
+            </a:r>
+          </a:p>
+          <a:p>
+            <a:r>
+              <a:rPr lang="en-US" sz="2400" dirty="0" smtClean="0">
+                <a:ln w="0"/>
+                <a:solidFill>
+                  <a:srgbClr val="273272"/>
+                </a:solidFill>
+                <a:effectLst>
+                  <a:reflection blurRad="6350" stA="53000" endA="300" endPos="35500" dir="5400000" sy="-90000" algn="bl" rotWithShape="0"/>
+                </a:effectLst>
+                <a:latin typeface="Courier New" pitchFamily="49" charset="0"/>
+                <a:cs typeface="Courier New" pitchFamily="49" charset="0"/>
+              </a:rPr>
+              <a:t>		.text</a:t>
+            </a:r>
+          </a:p>
+          <a:p>
+            <a:r>
+              <a:rPr lang="en-US" sz="2400" dirty="0" smtClean="0">
+                <a:ln w="0"/>
+                <a:solidFill>
+                  <a:srgbClr val="273272"/>
+                </a:solidFill>
+                <a:effectLst>
+                  <a:reflection blurRad="6350" stA="53000" endA="300" endPos="35500" dir="5400000" sy="-90000" algn="bl" rotWithShape="0"/>
+                </a:effectLst>
+                <a:latin typeface="Courier New" pitchFamily="49" charset="0"/>
+                <a:cs typeface="Courier New" pitchFamily="49" charset="0"/>
+              </a:rPr>
+              <a:t>__start:	addi t1, zero, 0x18</a:t>
+            </a:r>
+          </a:p>
+          <a:p>
+            <a:r>
+              <a:rPr lang="en-US" sz="2400" dirty="0" smtClean="0">
+                <a:ln w="0"/>
+                <a:solidFill>
+                  <a:srgbClr val="273272"/>
+                </a:solidFill>
+                <a:effectLst>
+                  <a:reflection blurRad="6350" stA="53000" endA="300" endPos="35500" dir="5400000" sy="-90000" algn="bl" rotWithShape="0"/>
+                </a:effectLst>
+                <a:latin typeface="Courier New" pitchFamily="49" charset="0"/>
+                <a:cs typeface="Courier New" pitchFamily="49" charset="0"/>
+              </a:rPr>
+              <a:t>		addi t2, zero, 0x21</a:t>
+            </a:r>
+          </a:p>
+          <a:p>
+            <a:r>
+              <a:rPr lang="en-US" sz="2400" dirty="0" smtClean="0">
+                <a:ln w="0"/>
+                <a:solidFill>
+                  <a:srgbClr val="273272"/>
+                </a:solidFill>
+                <a:effectLst>
+                  <a:reflection blurRad="6350" stA="53000" endA="300" endPos="35500" dir="5400000" sy="-90000" algn="bl" rotWithShape="0"/>
+                </a:effectLst>
+                <a:latin typeface="Courier New" pitchFamily="49" charset="0"/>
+                <a:cs typeface="Courier New" pitchFamily="49" charset="0"/>
+              </a:rPr>
+              <a:t>cycle:	</a:t>
+            </a:r>
+            <a:r>
+              <a:rPr lang="en-US" sz="2400" dirty="0" err="1" smtClean="0">
+                <a:ln w="0"/>
+                <a:solidFill>
+                  <a:srgbClr val="273272"/>
+                </a:solidFill>
+                <a:effectLst>
+                  <a:reflection blurRad="6350" stA="53000" endA="300" endPos="35500" dir="5400000" sy="-90000" algn="bl" rotWithShape="0"/>
+                </a:effectLst>
+                <a:latin typeface="Courier New" pitchFamily="49" charset="0"/>
+                <a:cs typeface="Courier New" pitchFamily="49" charset="0"/>
+              </a:rPr>
+              <a:t>beq</a:t>
+            </a:r>
+            <a:r>
+              <a:rPr lang="en-US" sz="2400" dirty="0" smtClean="0">
+                <a:ln w="0"/>
+                <a:solidFill>
+                  <a:srgbClr val="273272"/>
+                </a:solidFill>
+                <a:effectLst>
+                  <a:reflection blurRad="6350" stA="53000" endA="300" endPos="35500" dir="5400000" sy="-90000" algn="bl" rotWithShape="0"/>
+                </a:effectLst>
+                <a:latin typeface="Courier New" pitchFamily="49" charset="0"/>
+                <a:cs typeface="Courier New" pitchFamily="49" charset="0"/>
+              </a:rPr>
+              <a:t> t1, t2, done</a:t>
+            </a:r>
+          </a:p>
+          <a:p>
+            <a:r>
+              <a:rPr lang="en-US" sz="2400" dirty="0" smtClean="0">
+                <a:ln w="0"/>
+                <a:solidFill>
+                  <a:srgbClr val="273272"/>
+                </a:solidFill>
+                <a:effectLst>
+                  <a:reflection blurRad="6350" stA="53000" endA="300" endPos="35500" dir="5400000" sy="-90000" algn="bl" rotWithShape="0"/>
+                </a:effectLst>
+                <a:latin typeface="Courier New" pitchFamily="49" charset="0"/>
+                <a:cs typeface="Courier New" pitchFamily="49" charset="0"/>
+              </a:rPr>
+              <a:t>		</a:t>
+            </a:r>
+            <a:r>
+              <a:rPr lang="en-US" sz="2400" dirty="0" err="1" smtClean="0">
+                <a:ln w="0"/>
+                <a:solidFill>
+                  <a:srgbClr val="273272"/>
+                </a:solidFill>
+                <a:effectLst>
+                  <a:reflection blurRad="6350" stA="53000" endA="300" endPos="35500" dir="5400000" sy="-90000" algn="bl" rotWithShape="0"/>
+                </a:effectLst>
+                <a:latin typeface="Courier New" pitchFamily="49" charset="0"/>
+                <a:cs typeface="Courier New" pitchFamily="49" charset="0"/>
+              </a:rPr>
+              <a:t>slt</a:t>
+            </a:r>
+            <a:r>
+              <a:rPr lang="en-US" sz="2400" dirty="0" smtClean="0">
+                <a:ln w="0"/>
+                <a:solidFill>
+                  <a:srgbClr val="273272"/>
+                </a:solidFill>
+                <a:effectLst>
+                  <a:reflection blurRad="6350" stA="53000" endA="300" endPos="35500" dir="5400000" sy="-90000" algn="bl" rotWithShape="0"/>
+                </a:effectLst>
+                <a:latin typeface="Courier New" pitchFamily="49" charset="0"/>
+                <a:cs typeface="Courier New" pitchFamily="49" charset="0"/>
+              </a:rPr>
+              <a:t> t0, t1, t2</a:t>
+            </a:r>
+          </a:p>
+          <a:p>
+            <a:r>
+              <a:rPr lang="en-US" sz="2400" dirty="0" smtClean="0">
+                <a:ln w="0"/>
+                <a:solidFill>
+                  <a:srgbClr val="273272"/>
+                </a:solidFill>
+                <a:effectLst>
+                  <a:reflection blurRad="6350" stA="53000" endA="300" endPos="35500" dir="5400000" sy="-90000" algn="bl" rotWithShape="0"/>
+                </a:effectLst>
+                <a:latin typeface="Courier New" pitchFamily="49" charset="0"/>
+                <a:cs typeface="Courier New" pitchFamily="49" charset="0"/>
+              </a:rPr>
+              <a:t>		</a:t>
+            </a:r>
+            <a:r>
+              <a:rPr lang="en-US" sz="2400" dirty="0" err="1" smtClean="0">
+                <a:ln w="0"/>
+                <a:solidFill>
+                  <a:srgbClr val="273272"/>
+                </a:solidFill>
+                <a:effectLst>
+                  <a:reflection blurRad="6350" stA="53000" endA="300" endPos="35500" dir="5400000" sy="-90000" algn="bl" rotWithShape="0"/>
+                </a:effectLst>
+                <a:latin typeface="Courier New" pitchFamily="49" charset="0"/>
+                <a:cs typeface="Courier New" pitchFamily="49" charset="0"/>
+              </a:rPr>
+              <a:t>bne</a:t>
+            </a:r>
+            <a:r>
+              <a:rPr lang="en-US" sz="2400" dirty="0" smtClean="0">
+                <a:ln w="0"/>
+                <a:solidFill>
+                  <a:srgbClr val="273272"/>
+                </a:solidFill>
+                <a:effectLst>
+                  <a:reflection blurRad="6350" stA="53000" endA="300" endPos="35500" dir="5400000" sy="-90000" algn="bl" rotWithShape="0"/>
+                </a:effectLst>
+                <a:latin typeface="Courier New" pitchFamily="49" charset="0"/>
+                <a:cs typeface="Courier New" pitchFamily="49" charset="0"/>
+              </a:rPr>
+              <a:t> t0, zero, </a:t>
+            </a:r>
+            <a:r>
+              <a:rPr lang="en-US" sz="2400" dirty="0" err="1" smtClean="0">
+                <a:ln w="0"/>
+                <a:solidFill>
+                  <a:srgbClr val="273272"/>
+                </a:solidFill>
+                <a:effectLst>
+                  <a:reflection blurRad="6350" stA="53000" endA="300" endPos="35500" dir="5400000" sy="-90000" algn="bl" rotWithShape="0"/>
+                </a:effectLst>
+                <a:latin typeface="Courier New" pitchFamily="49" charset="0"/>
+                <a:cs typeface="Courier New" pitchFamily="49" charset="0"/>
+              </a:rPr>
+              <a:t>if_less</a:t>
+            </a:r>
+            <a:endParaRPr lang="en-US" sz="2400" dirty="0" smtClean="0">
+              <a:ln w="0"/>
+              <a:solidFill>
+                <a:srgbClr val="273272"/>
+              </a:solidFill>
+              <a:effectLst>
+                <a:reflection blurRad="6350" stA="53000" endA="300" endPos="35500" dir="5400000" sy="-90000" algn="bl" rotWithShape="0"/>
+              </a:effectLst>
+              <a:latin typeface="Courier New" pitchFamily="49" charset="0"/>
+              <a:cs typeface="Courier New" pitchFamily="49" charset="0"/>
+            </a:endParaRPr>
+          </a:p>
+          <a:p>
+            <a:r>
+              <a:rPr lang="en-US" sz="2400" dirty="0" smtClean="0">
+                <a:ln w="0"/>
+                <a:solidFill>
+                  <a:srgbClr val="273272"/>
+                </a:solidFill>
+                <a:effectLst>
+                  <a:reflection blurRad="6350" stA="53000" endA="300" endPos="35500" dir="5400000" sy="-90000" algn="bl" rotWithShape="0"/>
+                </a:effectLst>
+                <a:latin typeface="Courier New" pitchFamily="49" charset="0"/>
+                <a:cs typeface="Courier New" pitchFamily="49" charset="0"/>
+              </a:rPr>
+              <a:t>		</a:t>
+            </a:r>
+            <a:r>
+              <a:rPr lang="en-US" sz="2400" dirty="0" err="1" smtClean="0">
+                <a:ln w="0"/>
+                <a:solidFill>
+                  <a:srgbClr val="273272"/>
+                </a:solidFill>
+                <a:effectLst>
+                  <a:reflection blurRad="6350" stA="53000" endA="300" endPos="35500" dir="5400000" sy="-90000" algn="bl" rotWithShape="0"/>
+                </a:effectLst>
+                <a:latin typeface="Courier New" pitchFamily="49" charset="0"/>
+                <a:cs typeface="Courier New" pitchFamily="49" charset="0"/>
+              </a:rPr>
+              <a:t>nop</a:t>
+            </a:r>
+            <a:endParaRPr lang="en-US" sz="2400" dirty="0" smtClean="0">
+              <a:ln w="0"/>
+              <a:solidFill>
+                <a:srgbClr val="273272"/>
+              </a:solidFill>
+              <a:effectLst>
+                <a:reflection blurRad="6350" stA="53000" endA="300" endPos="35500" dir="5400000" sy="-90000" algn="bl" rotWithShape="0"/>
+              </a:effectLst>
+              <a:latin typeface="Courier New" pitchFamily="49" charset="0"/>
+              <a:cs typeface="Courier New" pitchFamily="49" charset="0"/>
+            </a:endParaRPr>
+          </a:p>
+          <a:p>
+            <a:r>
+              <a:rPr lang="en-US" sz="2400" dirty="0" smtClean="0">
+                <a:ln w="0"/>
+                <a:solidFill>
+                  <a:srgbClr val="273272"/>
+                </a:solidFill>
+                <a:effectLst>
+                  <a:reflection blurRad="6350" stA="53000" endA="300" endPos="35500" dir="5400000" sy="-90000" algn="bl" rotWithShape="0"/>
+                </a:effectLst>
+                <a:latin typeface="Courier New" pitchFamily="49" charset="0"/>
+                <a:cs typeface="Courier New" pitchFamily="49" charset="0"/>
+              </a:rPr>
+              <a:t>		sub t1, t1, t2</a:t>
+            </a:r>
+          </a:p>
+          <a:p>
+            <a:r>
+              <a:rPr lang="en-US" sz="2400" dirty="0" smtClean="0">
+                <a:ln w="0"/>
+                <a:solidFill>
+                  <a:srgbClr val="273272"/>
+                </a:solidFill>
+                <a:effectLst>
+                  <a:reflection blurRad="6350" stA="53000" endA="300" endPos="35500" dir="5400000" sy="-90000" algn="bl" rotWithShape="0"/>
+                </a:effectLst>
+                <a:latin typeface="Courier New" pitchFamily="49" charset="0"/>
+                <a:cs typeface="Courier New" pitchFamily="49" charset="0"/>
+              </a:rPr>
+              <a:t>		j cycle</a:t>
+            </a:r>
+          </a:p>
+          <a:p>
+            <a:r>
+              <a:rPr lang="en-US" sz="2400" dirty="0" smtClean="0">
+                <a:ln w="0"/>
+                <a:solidFill>
+                  <a:srgbClr val="273272"/>
+                </a:solidFill>
+                <a:effectLst>
+                  <a:reflection blurRad="6350" stA="53000" endA="300" endPos="35500" dir="5400000" sy="-90000" algn="bl" rotWithShape="0"/>
+                </a:effectLst>
+                <a:latin typeface="Courier New" pitchFamily="49" charset="0"/>
+                <a:cs typeface="Courier New" pitchFamily="49" charset="0"/>
+              </a:rPr>
+              <a:t>		</a:t>
+            </a:r>
+            <a:r>
+              <a:rPr lang="en-US" sz="2400" dirty="0" err="1" smtClean="0">
+                <a:ln w="0"/>
+                <a:solidFill>
+                  <a:srgbClr val="273272"/>
+                </a:solidFill>
+                <a:effectLst>
+                  <a:reflection blurRad="6350" stA="53000" endA="300" endPos="35500" dir="5400000" sy="-90000" algn="bl" rotWithShape="0"/>
+                </a:effectLst>
+                <a:latin typeface="Courier New" pitchFamily="49" charset="0"/>
+                <a:cs typeface="Courier New" pitchFamily="49" charset="0"/>
+              </a:rPr>
+              <a:t>nop</a:t>
+            </a:r>
+            <a:endParaRPr lang="en-US" sz="2400" dirty="0" smtClean="0">
+              <a:ln w="0"/>
+              <a:solidFill>
+                <a:srgbClr val="273272"/>
+              </a:solidFill>
+              <a:effectLst>
+                <a:reflection blurRad="6350" stA="53000" endA="300" endPos="35500" dir="5400000" sy="-90000" algn="bl" rotWithShape="0"/>
+              </a:effectLst>
+              <a:latin typeface="Courier New" pitchFamily="49" charset="0"/>
+              <a:cs typeface="Courier New" pitchFamily="49" charset="0"/>
+            </a:endParaRPr>
+          </a:p>
+          <a:p>
+            <a:r>
+              <a:rPr lang="en-US" sz="2400" dirty="0" err="1" smtClean="0">
+                <a:ln w="0"/>
+                <a:solidFill>
+                  <a:srgbClr val="273272"/>
+                </a:solidFill>
+                <a:effectLst>
+                  <a:reflection blurRad="6350" stA="53000" endA="300" endPos="35500" dir="5400000" sy="-90000" algn="bl" rotWithShape="0"/>
+                </a:effectLst>
+                <a:latin typeface="Courier New" pitchFamily="49" charset="0"/>
+                <a:cs typeface="Courier New" pitchFamily="49" charset="0"/>
+              </a:rPr>
+              <a:t>if_less</a:t>
+            </a:r>
+            <a:r>
+              <a:rPr lang="en-US" sz="2400" dirty="0" smtClean="0">
+                <a:ln w="0"/>
+                <a:solidFill>
+                  <a:srgbClr val="273272"/>
+                </a:solidFill>
+                <a:effectLst>
+                  <a:reflection blurRad="6350" stA="53000" endA="300" endPos="35500" dir="5400000" sy="-90000" algn="bl" rotWithShape="0"/>
+                </a:effectLst>
+                <a:latin typeface="Courier New" pitchFamily="49" charset="0"/>
+                <a:cs typeface="Courier New" pitchFamily="49" charset="0"/>
+              </a:rPr>
+              <a:t>:	sub t2, t2, t1</a:t>
+            </a:r>
+          </a:p>
+          <a:p>
+            <a:r>
+              <a:rPr lang="en-US" sz="2400" dirty="0" smtClean="0">
+                <a:ln w="0"/>
+                <a:solidFill>
+                  <a:srgbClr val="273272"/>
+                </a:solidFill>
+                <a:effectLst>
+                  <a:reflection blurRad="6350" stA="53000" endA="300" endPos="35500" dir="5400000" sy="-90000" algn="bl" rotWithShape="0"/>
+                </a:effectLst>
+                <a:latin typeface="Courier New" pitchFamily="49" charset="0"/>
+                <a:cs typeface="Courier New" pitchFamily="49" charset="0"/>
+              </a:rPr>
+              <a:t>		j cycle</a:t>
+            </a:r>
+          </a:p>
+          <a:p>
+            <a:r>
+              <a:rPr lang="en-US" sz="2400" dirty="0" smtClean="0">
+                <a:ln w="0"/>
+                <a:solidFill>
+                  <a:srgbClr val="273272"/>
+                </a:solidFill>
+                <a:effectLst>
+                  <a:reflection blurRad="6350" stA="53000" endA="300" endPos="35500" dir="5400000" sy="-90000" algn="bl" rotWithShape="0"/>
+                </a:effectLst>
+                <a:latin typeface="Courier New" pitchFamily="49" charset="0"/>
+                <a:cs typeface="Courier New" pitchFamily="49" charset="0"/>
+              </a:rPr>
+              <a:t>done:		add t3, t1, zero</a:t>
+            </a:r>
+            <a:endParaRPr lang="ru-RU" sz="2400" b="0" cap="none" spc="0" dirty="0">
+              <a:ln w="0"/>
+              <a:solidFill>
+                <a:srgbClr val="273272"/>
+              </a:solidFill>
+              <a:effectLst>
+                <a:reflection blurRad="6350" stA="53000" endA="300" endPos="35500" dir="5400000" sy="-90000" algn="bl" rotWithShape="0"/>
+              </a:effectLst>
+              <a:latin typeface="Courier New" pitchFamily="49" charset="0"/>
+              <a:cs typeface="Courier New" pitchFamily="49" charset="0"/>
+            </a:endParaRPr>
+          </a:p>
+        </p:txBody>
+      </p:sp>
+      <p:sp>
+        <p:nvSpPr>
+          <p:cNvPr id="2" name="Заголовок 1"/>
+          <p:cNvSpPr>
+            <a:spLocks noGrp="1"/>
+          </p:cNvSpPr>
+          <p:nvPr>
+            <p:ph type="title"/>
+          </p:nvPr>
+        </p:nvSpPr>
+        <p:spPr/>
+        <p:txBody>
+          <a:bodyPr>
+            <a:normAutofit/>
+          </a:bodyPr>
+          <a:lstStyle/>
+          <a:p>
+            <a:r>
+              <a:rPr lang="en-US" dirty="0" smtClean="0"/>
+              <a:t>Any Questions?</a:t>
+            </a:r>
+            <a:endParaRPr lang="ru-RU" sz="4000" dirty="0"/>
+          </a:p>
+        </p:txBody>
+      </p:sp>
+      <p:sp>
+        <p:nvSpPr>
+          <p:cNvPr id="6" name="Номер слайда 5"/>
+          <p:cNvSpPr>
+            <a:spLocks noGrp="1"/>
+          </p:cNvSpPr>
+          <p:nvPr>
+            <p:ph type="sldNum" sz="quarter" idx="12"/>
+          </p:nvPr>
+        </p:nvSpPr>
+        <p:spPr/>
+        <p:txBody>
+          <a:bodyPr/>
+          <a:lstStyle/>
+          <a:p>
+            <a:pPr algn="ctr"/>
+            <a:fld id="{1397BFD8-F312-4EF2-A268-44FB4BDDBBB0}" type="slidenum">
+              <a:rPr lang="ru-RU" smtClean="0"/>
+              <a:pPr algn="ctr"/>
+              <a:t>12</a:t>
+            </a:fld>
+            <a:endParaRPr lang="ru-RU" dirty="0"/>
+          </a:p>
+        </p:txBody>
+      </p:sp>
+    </p:spTree>
+    <p:extLst>
+      <p:ext uri="{BB962C8B-B14F-4D97-AF65-F5344CB8AC3E}">
+        <p14:creationId xmlns:p14="http://schemas.microsoft.com/office/powerpoint/2010/main" xmlns="" val="4217875043"/>
+      </p:ext>
+    </p:extLst>
+  </p:cSld>
+  <p:clrMapOvr>
+    <a:masterClrMapping/>
+  </p:clrMapOvr>
+  <p:timing>
+    <p:tnLst>
+      <p:par>
+        <p:cTn id="1" dur="indefinite" restart="never" nodeType="tmRoot"/>
+      </p:par>
+    </p:tnLst>
+  </p:timing>
+</p:sld>
+</file>
+
 <file path=ppt/slides/slide2.xml><?xml version="1.0" encoding="utf-8"?>
 <p:sld xmlns:a="http://schemas.openxmlformats.org/drawingml/2006/main" xmlns:r="http://schemas.openxmlformats.org/officeDocument/2006/relationships" xmlns:p="http://schemas.openxmlformats.org/presentationml/2006/main">
   <p:cSld>
@@ -5196,7 +6114,12 @@
             <p:ph idx="1"/>
           </p:nvPr>
         </p:nvSpPr>
-        <p:spPr/>
+        <p:spPr>
+          <a:xfrm>
+            <a:off x="802574" y="1284931"/>
+            <a:ext cx="10515600" cy="4997896"/>
+          </a:xfrm>
+        </p:spPr>
         <p:txBody>
           <a:bodyPr>
             <a:normAutofit/>
@@ -5205,10 +6128,10 @@
           <a:p>
             <a:pPr>
               <a:lnSpc>
-                <a:spcPct val="150000"/>
+                <a:spcPct val="100000"/>
               </a:lnSpc>
               <a:spcBef>
-                <a:spcPts val="3000"/>
+                <a:spcPts val="5400"/>
               </a:spcBef>
             </a:pPr>
             <a:r>
@@ -5231,10 +6154,10 @@
           <a:p>
             <a:pPr>
               <a:lnSpc>
-                <a:spcPct val="150000"/>
+                <a:spcPct val="100000"/>
               </a:lnSpc>
               <a:spcBef>
-                <a:spcPts val="3000"/>
+                <a:spcPts val="5400"/>
               </a:spcBef>
             </a:pPr>
             <a:r>
@@ -5277,10 +6200,10 @@
           <a:p>
             <a:pPr>
               <a:lnSpc>
-                <a:spcPct val="150000"/>
+                <a:spcPct val="100000"/>
               </a:lnSpc>
               <a:spcBef>
-                <a:spcPts val="3000"/>
+                <a:spcPts val="5400"/>
               </a:spcBef>
             </a:pPr>
             <a:r>
@@ -5605,81 +6528,6 @@
       </p:grpSpPr>
       <p:sp>
         <p:nvSpPr>
-          <p:cNvPr id="2" name="Содержимое 1"/>
-          <p:cNvSpPr>
-            <a:spLocks noGrp="1"/>
-          </p:cNvSpPr>
-          <p:nvPr>
-            <p:ph idx="1"/>
-          </p:nvPr>
-        </p:nvSpPr>
-        <p:spPr/>
-        <p:txBody>
-          <a:bodyPr>
-            <a:normAutofit/>
-          </a:bodyPr>
-          <a:lstStyle/>
-          <a:p>
-            <a:pPr>
-              <a:lnSpc>
-                <a:spcPct val="100000"/>
-              </a:lnSpc>
-              <a:spcBef>
-                <a:spcPts val="1800"/>
-              </a:spcBef>
-            </a:pPr>
-            <a:r>
-              <a:rPr lang="en-US" dirty="0" smtClean="0"/>
-              <a:t>Processor accesses I/O devices just like memory (like keyboards, monitors, printers)</a:t>
-            </a:r>
-          </a:p>
-          <a:p>
-            <a:pPr>
-              <a:lnSpc>
-                <a:spcPct val="100000"/>
-              </a:lnSpc>
-              <a:spcBef>
-                <a:spcPts val="1800"/>
-              </a:spcBef>
-            </a:pPr>
-            <a:r>
-              <a:rPr lang="en-US" dirty="0" smtClean="0"/>
-              <a:t>Each I/O device assigned one or more address</a:t>
-            </a:r>
-          </a:p>
-          <a:p>
-            <a:pPr>
-              <a:lnSpc>
-                <a:spcPct val="100000"/>
-              </a:lnSpc>
-              <a:spcBef>
-                <a:spcPts val="1800"/>
-              </a:spcBef>
-            </a:pPr>
-            <a:r>
-              <a:rPr lang="en-US" dirty="0" smtClean="0"/>
-              <a:t>When that address is detected, data read/written to I/O device instead of memory</a:t>
-            </a:r>
-          </a:p>
-          <a:p>
-            <a:pPr>
-              <a:lnSpc>
-                <a:spcPct val="100000"/>
-              </a:lnSpc>
-              <a:spcBef>
-                <a:spcPts val="1800"/>
-              </a:spcBef>
-            </a:pPr>
-            <a:r>
-              <a:rPr lang="en-US" dirty="0" smtClean="0"/>
-              <a:t>A portion of the address space dedicated to I/O devices</a:t>
-            </a:r>
-            <a:endParaRPr lang="en-US" dirty="0"/>
-          </a:p>
-        </p:txBody>
-      </p:sp>
-      <p:sp>
-        <p:nvSpPr>
           <p:cNvPr id="3" name="Номер слайда 2"/>
           <p:cNvSpPr>
             <a:spLocks noGrp="1"/>
@@ -5720,12 +6568,497 @@
           <a:p>
             <a:r>
               <a:rPr lang="en-US" dirty="0" smtClean="0"/>
-              <a:t>Memory-Mapped I/O</a:t>
+              <a:t>Direct Memory Access (DMA)</a:t>
             </a:r>
             <a:endParaRPr lang="ru-RU" dirty="0"/>
           </a:p>
         </p:txBody>
       </p:sp>
+      <p:sp>
+        <p:nvSpPr>
+          <p:cNvPr id="5" name="Прямоугольник 4"/>
+          <p:cNvSpPr/>
+          <p:nvPr/>
+        </p:nvSpPr>
+        <p:spPr>
+          <a:xfrm>
+            <a:off x="4852955" y="1971304"/>
+            <a:ext cx="2700331" cy="1377538"/>
+          </a:xfrm>
+          <a:prstGeom prst="rect">
+            <a:avLst/>
+          </a:prstGeom>
+          <a:solidFill>
+            <a:srgbClr val="2F5CB5"/>
+          </a:solidFill>
+        </p:spPr>
+        <p:style>
+          <a:lnRef idx="2">
+            <a:schemeClr val="accent1">
+              <a:shade val="50000"/>
+            </a:schemeClr>
+          </a:lnRef>
+          <a:fillRef idx="1">
+            <a:schemeClr val="accent1"/>
+          </a:fillRef>
+          <a:effectRef idx="0">
+            <a:schemeClr val="accent1"/>
+          </a:effectRef>
+          <a:fontRef idx="minor">
+            <a:schemeClr val="lt1"/>
+          </a:fontRef>
+        </p:style>
+        <p:txBody>
+          <a:bodyPr rtlCol="0" anchor="ctr"/>
+          <a:lstStyle/>
+          <a:p>
+            <a:pPr algn="ctr"/>
+            <a:r>
+              <a:rPr lang="en-US" sz="3600" b="1" dirty="0" smtClean="0">
+                <a:solidFill>
+                  <a:srgbClr val="F7B217"/>
+                </a:solidFill>
+              </a:rPr>
+              <a:t>I/O</a:t>
+            </a:r>
+            <a:endParaRPr lang="ru-RU" sz="3600" b="1" dirty="0">
+              <a:solidFill>
+                <a:srgbClr val="F7B217"/>
+              </a:solidFill>
+            </a:endParaRPr>
+          </a:p>
+        </p:txBody>
+      </p:sp>
+      <p:sp>
+        <p:nvSpPr>
+          <p:cNvPr id="18" name="Прямоугольник 17"/>
+          <p:cNvSpPr/>
+          <p:nvPr/>
+        </p:nvSpPr>
+        <p:spPr>
+          <a:xfrm>
+            <a:off x="8175487" y="1933701"/>
+            <a:ext cx="2700331" cy="1377538"/>
+          </a:xfrm>
+          <a:prstGeom prst="rect">
+            <a:avLst/>
+          </a:prstGeom>
+          <a:solidFill>
+            <a:srgbClr val="2F5CB5"/>
+          </a:solidFill>
+        </p:spPr>
+        <p:style>
+          <a:lnRef idx="2">
+            <a:schemeClr val="accent1">
+              <a:shade val="50000"/>
+            </a:schemeClr>
+          </a:lnRef>
+          <a:fillRef idx="1">
+            <a:schemeClr val="accent1"/>
+          </a:fillRef>
+          <a:effectRef idx="0">
+            <a:schemeClr val="accent1"/>
+          </a:effectRef>
+          <a:fontRef idx="minor">
+            <a:schemeClr val="lt1"/>
+          </a:fontRef>
+        </p:style>
+        <p:txBody>
+          <a:bodyPr rtlCol="0" anchor="ctr"/>
+          <a:lstStyle/>
+          <a:p>
+            <a:pPr algn="ctr"/>
+            <a:r>
+              <a:rPr lang="en-US" sz="3600" b="1" dirty="0" smtClean="0">
+                <a:solidFill>
+                  <a:srgbClr val="F7B217"/>
+                </a:solidFill>
+              </a:rPr>
+              <a:t>Main Memory</a:t>
+            </a:r>
+            <a:endParaRPr lang="ru-RU" sz="3600" b="1" dirty="0">
+              <a:solidFill>
+                <a:srgbClr val="F7B217"/>
+              </a:solidFill>
+            </a:endParaRPr>
+          </a:p>
+        </p:txBody>
+      </p:sp>
+      <p:sp>
+        <p:nvSpPr>
+          <p:cNvPr id="19" name="Прямоугольник 18"/>
+          <p:cNvSpPr/>
+          <p:nvPr/>
+        </p:nvSpPr>
+        <p:spPr>
+          <a:xfrm>
+            <a:off x="1570827" y="1967348"/>
+            <a:ext cx="2700331" cy="1377538"/>
+          </a:xfrm>
+          <a:prstGeom prst="rect">
+            <a:avLst/>
+          </a:prstGeom>
+          <a:solidFill>
+            <a:srgbClr val="2F5CB5"/>
+          </a:solidFill>
+        </p:spPr>
+        <p:style>
+          <a:lnRef idx="2">
+            <a:schemeClr val="accent1">
+              <a:shade val="50000"/>
+            </a:schemeClr>
+          </a:lnRef>
+          <a:fillRef idx="1">
+            <a:schemeClr val="accent1"/>
+          </a:fillRef>
+          <a:effectRef idx="0">
+            <a:schemeClr val="accent1"/>
+          </a:effectRef>
+          <a:fontRef idx="minor">
+            <a:schemeClr val="lt1"/>
+          </a:fontRef>
+        </p:style>
+        <p:txBody>
+          <a:bodyPr rtlCol="0" anchor="ctr"/>
+          <a:lstStyle/>
+          <a:p>
+            <a:pPr algn="ctr"/>
+            <a:r>
+              <a:rPr lang="en-US" sz="3600" b="1" dirty="0" smtClean="0">
+                <a:solidFill>
+                  <a:srgbClr val="F7B217"/>
+                </a:solidFill>
+              </a:rPr>
+              <a:t>Processor</a:t>
+            </a:r>
+            <a:endParaRPr lang="ru-RU" sz="3600" b="1" dirty="0">
+              <a:solidFill>
+                <a:srgbClr val="F7B217"/>
+              </a:solidFill>
+            </a:endParaRPr>
+          </a:p>
+        </p:txBody>
+      </p:sp>
+      <p:sp>
+        <p:nvSpPr>
+          <p:cNvPr id="20" name="Прямоугольник 19"/>
+          <p:cNvSpPr/>
+          <p:nvPr/>
+        </p:nvSpPr>
+        <p:spPr>
+          <a:xfrm>
+            <a:off x="1596737" y="5388421"/>
+            <a:ext cx="9260856" cy="359236"/>
+          </a:xfrm>
+          <a:prstGeom prst="rect">
+            <a:avLst/>
+          </a:prstGeom>
+          <a:solidFill>
+            <a:srgbClr val="F3B217"/>
+          </a:solidFill>
+          <a:ln w="25400"/>
+        </p:spPr>
+        <p:style>
+          <a:lnRef idx="2">
+            <a:schemeClr val="accent1">
+              <a:shade val="50000"/>
+            </a:schemeClr>
+          </a:lnRef>
+          <a:fillRef idx="1">
+            <a:schemeClr val="accent1"/>
+          </a:fillRef>
+          <a:effectRef idx="0">
+            <a:schemeClr val="accent1"/>
+          </a:effectRef>
+          <a:fontRef idx="minor">
+            <a:schemeClr val="lt1"/>
+          </a:fontRef>
+        </p:style>
+        <p:txBody>
+          <a:bodyPr rtlCol="0" anchor="ctr"/>
+          <a:lstStyle/>
+          <a:p>
+            <a:pPr algn="ctr"/>
+            <a:r>
+              <a:rPr lang="en-US" sz="2000" b="1" dirty="0" smtClean="0">
+                <a:solidFill>
+                  <a:srgbClr val="1E3272"/>
+                </a:solidFill>
+              </a:rPr>
+              <a:t>System Bus</a:t>
+            </a:r>
+            <a:endParaRPr lang="ru-RU" sz="2000" b="1" dirty="0">
+              <a:solidFill>
+                <a:srgbClr val="1E3272"/>
+              </a:solidFill>
+            </a:endParaRPr>
+          </a:p>
+        </p:txBody>
+      </p:sp>
+      <p:cxnSp>
+        <p:nvCxnSpPr>
+          <p:cNvPr id="21" name="Прямая соединительная линия 20"/>
+          <p:cNvCxnSpPr>
+            <a:stCxn id="19" idx="2"/>
+          </p:cNvCxnSpPr>
+          <p:nvPr/>
+        </p:nvCxnSpPr>
+        <p:spPr>
+          <a:xfrm flipH="1">
+            <a:off x="2914650" y="3344886"/>
+            <a:ext cx="6343" cy="2055789"/>
+          </a:xfrm>
+          <a:prstGeom prst="line">
+            <a:avLst/>
+          </a:prstGeom>
+          <a:ln w="38100">
+            <a:solidFill>
+              <a:srgbClr val="1E3272"/>
+            </a:solidFill>
+            <a:headEnd type="stealth" w="lg" len="lg"/>
+            <a:tailEnd type="stealth" w="lg" len="lg"/>
+          </a:ln>
+        </p:spPr>
+        <p:style>
+          <a:lnRef idx="1">
+            <a:schemeClr val="accent1"/>
+          </a:lnRef>
+          <a:fillRef idx="0">
+            <a:schemeClr val="accent1"/>
+          </a:fillRef>
+          <a:effectRef idx="0">
+            <a:schemeClr val="accent1"/>
+          </a:effectRef>
+          <a:fontRef idx="minor">
+            <a:schemeClr val="tx1"/>
+          </a:fontRef>
+        </p:style>
+      </p:cxnSp>
+      <p:cxnSp>
+        <p:nvCxnSpPr>
+          <p:cNvPr id="27" name="Прямая соединительная линия 26"/>
+          <p:cNvCxnSpPr>
+            <a:stCxn id="45" idx="0"/>
+            <a:endCxn id="5" idx="2"/>
+          </p:cNvCxnSpPr>
+          <p:nvPr/>
+        </p:nvCxnSpPr>
+        <p:spPr>
+          <a:xfrm flipH="1" flipV="1">
+            <a:off x="6203121" y="3348842"/>
+            <a:ext cx="9814" cy="544978"/>
+          </a:xfrm>
+          <a:prstGeom prst="line">
+            <a:avLst/>
+          </a:prstGeom>
+          <a:ln w="38100">
+            <a:solidFill>
+              <a:srgbClr val="1E3272"/>
+            </a:solidFill>
+            <a:headEnd type="stealth" w="lg" len="lg"/>
+            <a:tailEnd type="stealth" w="lg" len="lg"/>
+          </a:ln>
+        </p:spPr>
+        <p:style>
+          <a:lnRef idx="1">
+            <a:schemeClr val="accent1"/>
+          </a:lnRef>
+          <a:fillRef idx="0">
+            <a:schemeClr val="accent1"/>
+          </a:fillRef>
+          <a:effectRef idx="0">
+            <a:schemeClr val="accent1"/>
+          </a:effectRef>
+          <a:fontRef idx="minor">
+            <a:schemeClr val="tx1"/>
+          </a:fontRef>
+        </p:style>
+      </p:cxnSp>
+      <p:cxnSp>
+        <p:nvCxnSpPr>
+          <p:cNvPr id="31" name="Прямая соединительная линия 30"/>
+          <p:cNvCxnSpPr>
+            <a:endCxn id="18" idx="2"/>
+          </p:cNvCxnSpPr>
+          <p:nvPr/>
+        </p:nvCxnSpPr>
+        <p:spPr>
+          <a:xfrm flipH="1" flipV="1">
+            <a:off x="9525653" y="3311239"/>
+            <a:ext cx="37447" cy="2070386"/>
+          </a:xfrm>
+          <a:prstGeom prst="line">
+            <a:avLst/>
+          </a:prstGeom>
+          <a:ln w="38100">
+            <a:solidFill>
+              <a:srgbClr val="1E3272"/>
+            </a:solidFill>
+            <a:headEnd type="stealth" w="lg" len="lg"/>
+            <a:tailEnd type="stealth" w="lg" len="lg"/>
+          </a:ln>
+        </p:spPr>
+        <p:style>
+          <a:lnRef idx="1">
+            <a:schemeClr val="accent1"/>
+          </a:lnRef>
+          <a:fillRef idx="0">
+            <a:schemeClr val="accent1"/>
+          </a:fillRef>
+          <a:effectRef idx="0">
+            <a:schemeClr val="accent1"/>
+          </a:effectRef>
+          <a:fontRef idx="minor">
+            <a:schemeClr val="tx1"/>
+          </a:fontRef>
+        </p:style>
+      </p:cxnSp>
+      <p:sp>
+        <p:nvSpPr>
+          <p:cNvPr id="45" name="Прямоугольник 44"/>
+          <p:cNvSpPr/>
+          <p:nvPr/>
+        </p:nvSpPr>
+        <p:spPr>
+          <a:xfrm>
+            <a:off x="5028984" y="3893820"/>
+            <a:ext cx="2367902" cy="1085702"/>
+          </a:xfrm>
+          <a:prstGeom prst="rect">
+            <a:avLst/>
+          </a:prstGeom>
+          <a:solidFill>
+            <a:srgbClr val="2F5CB5"/>
+          </a:solidFill>
+        </p:spPr>
+        <p:style>
+          <a:lnRef idx="2">
+            <a:schemeClr val="accent1">
+              <a:shade val="50000"/>
+            </a:schemeClr>
+          </a:lnRef>
+          <a:fillRef idx="1">
+            <a:schemeClr val="accent1"/>
+          </a:fillRef>
+          <a:effectRef idx="0">
+            <a:schemeClr val="accent1"/>
+          </a:effectRef>
+          <a:fontRef idx="minor">
+            <a:schemeClr val="lt1"/>
+          </a:fontRef>
+        </p:style>
+        <p:txBody>
+          <a:bodyPr rtlCol="0" anchor="ctr"/>
+          <a:lstStyle/>
+          <a:p>
+            <a:pPr algn="ctr"/>
+            <a:r>
+              <a:rPr lang="en-US" sz="3600" b="1" dirty="0" smtClean="0">
+                <a:solidFill>
+                  <a:srgbClr val="F7B217"/>
+                </a:solidFill>
+              </a:rPr>
+              <a:t>DMA</a:t>
+            </a:r>
+          </a:p>
+          <a:p>
+            <a:pPr algn="ctr"/>
+            <a:r>
+              <a:rPr lang="en-US" sz="3600" b="1" dirty="0" smtClean="0">
+                <a:solidFill>
+                  <a:srgbClr val="F7B217"/>
+                </a:solidFill>
+              </a:rPr>
+              <a:t>Controller</a:t>
+            </a:r>
+            <a:endParaRPr lang="ru-RU" sz="3600" b="1" dirty="0">
+              <a:solidFill>
+                <a:srgbClr val="F7B217"/>
+              </a:solidFill>
+            </a:endParaRPr>
+          </a:p>
+        </p:txBody>
+      </p:sp>
+      <p:cxnSp>
+        <p:nvCxnSpPr>
+          <p:cNvPr id="54" name="Прямая соединительная линия 53"/>
+          <p:cNvCxnSpPr>
+            <a:stCxn id="20" idx="0"/>
+            <a:endCxn id="45" idx="2"/>
+          </p:cNvCxnSpPr>
+          <p:nvPr/>
+        </p:nvCxnSpPr>
+        <p:spPr>
+          <a:xfrm flipH="1" flipV="1">
+            <a:off x="6212935" y="4979522"/>
+            <a:ext cx="14230" cy="408899"/>
+          </a:xfrm>
+          <a:prstGeom prst="line">
+            <a:avLst/>
+          </a:prstGeom>
+          <a:ln w="38100">
+            <a:solidFill>
+              <a:srgbClr val="1E3272"/>
+            </a:solidFill>
+            <a:headEnd type="stealth" w="lg" len="lg"/>
+            <a:tailEnd type="stealth" w="lg" len="lg"/>
+          </a:ln>
+        </p:spPr>
+        <p:style>
+          <a:lnRef idx="1">
+            <a:schemeClr val="accent1"/>
+          </a:lnRef>
+          <a:fillRef idx="0">
+            <a:schemeClr val="accent1"/>
+          </a:fillRef>
+          <a:effectRef idx="0">
+            <a:schemeClr val="accent1"/>
+          </a:effectRef>
+          <a:fontRef idx="minor">
+            <a:schemeClr val="tx1"/>
+          </a:fontRef>
+        </p:style>
+      </p:cxnSp>
+      <p:cxnSp>
+        <p:nvCxnSpPr>
+          <p:cNvPr id="65" name="Прямая соединительная линия 64"/>
+          <p:cNvCxnSpPr>
+            <a:stCxn id="45" idx="3"/>
+          </p:cNvCxnSpPr>
+          <p:nvPr/>
+        </p:nvCxnSpPr>
+        <p:spPr>
+          <a:xfrm flipV="1">
+            <a:off x="7396886" y="3323771"/>
+            <a:ext cx="1456828" cy="1112900"/>
+          </a:xfrm>
+          <a:prstGeom prst="line">
+            <a:avLst/>
+          </a:prstGeom>
+          <a:ln w="38100">
+            <a:solidFill>
+              <a:srgbClr val="1E3272"/>
+            </a:solidFill>
+            <a:prstDash val="dash"/>
+            <a:headEnd type="stealth" w="lg" len="lg"/>
+            <a:tailEnd type="stealth" w="lg" len="lg"/>
+          </a:ln>
+        </p:spPr>
+        <p:style>
+          <a:lnRef idx="1">
+            <a:schemeClr val="accent1"/>
+          </a:lnRef>
+          <a:fillRef idx="0">
+            <a:schemeClr val="accent1"/>
+          </a:fillRef>
+          <a:effectRef idx="0">
+            <a:schemeClr val="accent1"/>
+          </a:effectRef>
+          <a:fontRef idx="minor">
+            <a:schemeClr val="tx1"/>
+          </a:fontRef>
+        </p:style>
+      </p:cxnSp>
     </p:spTree>
   </p:cSld>
   <p:clrMapOvr>
@@ -5775,49 +7108,61 @@
           </a:bodyPr>
           <a:lstStyle/>
           <a:p>
-            <a:r>
-              <a:rPr lang="en-US" b="1" dirty="0" smtClean="0">
-                <a:solidFill>
-                  <a:srgbClr val="F3B217"/>
-                </a:solidFill>
-              </a:rPr>
-              <a:t>Memory-Mapped I/O</a:t>
-            </a:r>
+            <a:pPr>
+              <a:lnSpc>
+                <a:spcPct val="100000"/>
+              </a:lnSpc>
+              <a:spcBef>
+                <a:spcPts val="1800"/>
+              </a:spcBef>
+            </a:pPr>
             <a:r>
               <a:rPr lang="en-US" dirty="0" smtClean="0"/>
-              <a:t> is an I/O scheme in which portions of the address space are assigned to I/O devices, and reads and writes to those addresses are interpreted as commands to the I/O </a:t>
-            </a:r>
+              <a:t>Processor accesses I/O devices just like memory (like keyboards, monitors, printers)</a:t>
+            </a:r>
+          </a:p>
+          <a:p>
+            <a:pPr>
+              <a:lnSpc>
+                <a:spcPct val="100000"/>
+              </a:lnSpc>
+              <a:spcBef>
+                <a:spcPts val="1800"/>
+              </a:spcBef>
+            </a:pPr>
             <a:r>
               <a:rPr lang="en-US" dirty="0" smtClean="0"/>
-              <a:t>device</a:t>
-            </a:r>
-          </a:p>
-          <a:p>
-            <a:r>
-              <a:rPr lang="en-US" b="1" dirty="0" smtClean="0">
-                <a:solidFill>
-                  <a:srgbClr val="F3B217"/>
-                </a:solidFill>
-              </a:rPr>
-              <a:t>Direct </a:t>
-            </a:r>
-            <a:r>
-              <a:rPr lang="en-US" b="1" dirty="0" smtClean="0">
-                <a:solidFill>
-                  <a:srgbClr val="F3B217"/>
-                </a:solidFill>
-              </a:rPr>
-              <a:t>Memory Access (DMA) </a:t>
-            </a:r>
+              <a:t>Each I/O device assigned one or more address</a:t>
+            </a:r>
+          </a:p>
+          <a:p>
+            <a:pPr>
+              <a:lnSpc>
+                <a:spcPct val="100000"/>
+              </a:lnSpc>
+              <a:spcBef>
+                <a:spcPts val="1800"/>
+              </a:spcBef>
+            </a:pPr>
             <a:r>
               <a:rPr lang="en-US" dirty="0" smtClean="0"/>
-              <a:t>is a mechanism that provides a device controller with the ability to transfer data directly to or from the memory without involving the </a:t>
-            </a:r>
+              <a:t>When that address is detected, data read/written to I/O device instead of memory</a:t>
+            </a:r>
+          </a:p>
+          <a:p>
+            <a:pPr>
+              <a:lnSpc>
+                <a:spcPct val="100000"/>
+              </a:lnSpc>
+              <a:spcBef>
+                <a:spcPts val="1800"/>
+              </a:spcBef>
+            </a:pPr>
             <a:r>
               <a:rPr lang="en-US" dirty="0" smtClean="0"/>
-              <a:t>processor</a:t>
-            </a:r>
-            <a:endParaRPr lang="ru-RU" dirty="0"/>
+              <a:t>A portion of the address space dedicated to I/O devices</a:t>
+            </a:r>
+            <a:endParaRPr lang="en-US" dirty="0"/>
           </a:p>
         </p:txBody>
       </p:sp>
@@ -5863,7 +7208,7 @@
           <a:p>
             <a:r>
               <a:rPr lang="en-US" dirty="0" smtClean="0"/>
-              <a:t>Memory-Mapped I/O</a:t>
+              <a:t>Memory-Mapped I/O (MMIO)</a:t>
             </a:r>
             <a:endParaRPr lang="ru-RU" dirty="0"/>
           </a:p>
@@ -5924,68 +7269,41 @@
                   <a:srgbClr val="F3B217"/>
                 </a:solidFill>
               </a:rPr>
-              <a:t>Interrupt-Driven </a:t>
-            </a:r>
+              <a:t>Memory-Mapped I/O</a:t>
+            </a:r>
+            <a:r>
+              <a:rPr lang="en-US" dirty="0" smtClean="0"/>
+              <a:t> is an I/O scheme in which portions of the address space are assigned to I/O devices, and reads and writes to those addresses are interpreted as commands to the I/O </a:t>
+            </a:r>
+            <a:r>
+              <a:rPr lang="en-US" dirty="0" smtClean="0"/>
+              <a:t>device</a:t>
+            </a:r>
+          </a:p>
+          <a:p>
             <a:r>
               <a:rPr lang="en-US" b="1" dirty="0" smtClean="0">
                 <a:solidFill>
                   <a:srgbClr val="F3B217"/>
                 </a:solidFill>
               </a:rPr>
-              <a:t>I/O </a:t>
-            </a:r>
-            <a:r>
-              <a:rPr lang="en-US" dirty="0" smtClean="0"/>
-              <a:t>is an I/O scheme that employs interrupts to indicate to the processor that an I/O device </a:t>
-            </a:r>
-            <a:r>
-              <a:rPr lang="en-US" dirty="0" smtClean="0"/>
-              <a:t>needs attention</a:t>
-            </a:r>
-            <a:endParaRPr lang="ru-RU" dirty="0" smtClean="0"/>
-          </a:p>
-          <a:p>
+              <a:t>Direct </a:t>
+            </a:r>
             <a:r>
               <a:rPr lang="en-US" b="1" dirty="0" smtClean="0">
                 <a:solidFill>
-                  <a:srgbClr val="F7B217"/>
+                  <a:srgbClr val="F3B217"/>
                 </a:solidFill>
               </a:rPr>
-              <a:t>Polling</a:t>
+              <a:t>Memory Access (DMA) </a:t>
             </a:r>
             <a:r>
               <a:rPr lang="en-US" dirty="0" smtClean="0"/>
-              <a:t> is the process </a:t>
+              <a:t>is a mechanism that provides a device controller with the ability to transfer data directly to or from the memory without involving the </a:t>
             </a:r>
             <a:r>
               <a:rPr lang="en-US" dirty="0" smtClean="0"/>
-              <a:t>of periodically checking the status of an I/O device to determine the need to service the </a:t>
-            </a:r>
-            <a:r>
-              <a:rPr lang="en-US" dirty="0" smtClean="0"/>
-              <a:t>device</a:t>
-            </a:r>
-          </a:p>
-          <a:p>
-            <a:r>
-              <a:rPr lang="en-US" b="1" dirty="0" smtClean="0">
-                <a:solidFill>
-                  <a:srgbClr val="F7B217"/>
-                </a:solidFill>
-              </a:rPr>
-              <a:t>Device Driver </a:t>
-            </a:r>
-            <a:r>
-              <a:rPr lang="en-US" dirty="0" smtClean="0"/>
-              <a:t>is a program </a:t>
-            </a:r>
-            <a:r>
-              <a:rPr lang="en-US" dirty="0" smtClean="0"/>
-              <a:t>that controls an I/O device that is attached to the </a:t>
-            </a:r>
-            <a:r>
-              <a:rPr lang="en-US" dirty="0" smtClean="0"/>
-              <a:t>computer</a:t>
+              <a:t>processor</a:t>
             </a:r>
             <a:endParaRPr lang="ru-RU" dirty="0"/>
           </a:p>
@@ -6033,7 +7351,7 @@
           <a:p>
             <a:r>
               <a:rPr lang="en-US" dirty="0" smtClean="0"/>
-              <a:t>Memory-Mapped I/O</a:t>
+              <a:t>Key Ideas</a:t>
             </a:r>
             <a:endParaRPr lang="ru-RU" dirty="0"/>
           </a:p>
@@ -6073,450 +7391,12 @@
       </p:grpSpPr>
       <p:sp>
         <p:nvSpPr>
-          <p:cNvPr id="4" name="Прямоугольник 3"/>
-          <p:cNvSpPr/>
-          <p:nvPr/>
-        </p:nvSpPr>
-        <p:spPr>
-          <a:xfrm>
-            <a:off x="2664999" y="472120"/>
-            <a:ext cx="7524751" cy="5262979"/>
-          </a:xfrm>
-          <a:prstGeom prst="rect">
-            <a:avLst/>
-          </a:prstGeom>
-          <a:noFill/>
-          <a:ln>
-            <a:noFill/>
-          </a:ln>
-          <a:scene3d>
-            <a:camera prst="perspectiveRelaxed"/>
-            <a:lightRig rig="threePt" dir="t"/>
-          </a:scene3d>
-        </p:spPr>
-        <p:txBody>
-          <a:bodyPr wrap="square" lIns="91440" tIns="45720" rIns="91440" bIns="45720">
-            <a:spAutoFit/>
-          </a:bodyPr>
-          <a:lstStyle/>
-          <a:p>
-            <a:r>
-              <a:rPr lang="en-US" sz="2400" dirty="0" smtClean="0">
-                <a:ln w="0"/>
-                <a:solidFill>
-                  <a:srgbClr val="273272"/>
-                </a:solidFill>
-                <a:effectLst>
-                  <a:reflection blurRad="6350" stA="53000" endA="300" endPos="35500" dir="5400000" sy="-90000" algn="bl" rotWithShape="0"/>
-                </a:effectLst>
-                <a:latin typeface="Courier New" pitchFamily="49" charset="0"/>
-                <a:cs typeface="Courier New" pitchFamily="49" charset="0"/>
-              </a:rPr>
-              <a:t>		</a:t>
-            </a:r>
-          </a:p>
-          <a:p>
-            <a:r>
-              <a:rPr lang="en-US" sz="2400" dirty="0" smtClean="0">
-                <a:ln w="0"/>
-                <a:solidFill>
-                  <a:srgbClr val="273272"/>
-                </a:solidFill>
-                <a:effectLst>
-                  <a:reflection blurRad="6350" stA="53000" endA="300" endPos="35500" dir="5400000" sy="-90000" algn="bl" rotWithShape="0"/>
-                </a:effectLst>
-                <a:latin typeface="Courier New" pitchFamily="49" charset="0"/>
-                <a:cs typeface="Courier New" pitchFamily="49" charset="0"/>
-              </a:rPr>
-              <a:t>		.text</a:t>
-            </a:r>
-          </a:p>
-          <a:p>
-            <a:r>
-              <a:rPr lang="en-US" sz="2400" dirty="0" smtClean="0">
-                <a:ln w="0"/>
-                <a:solidFill>
-                  <a:srgbClr val="273272"/>
-                </a:solidFill>
-                <a:effectLst>
-                  <a:reflection blurRad="6350" stA="53000" endA="300" endPos="35500" dir="5400000" sy="-90000" algn="bl" rotWithShape="0"/>
-                </a:effectLst>
-                <a:latin typeface="Courier New" pitchFamily="49" charset="0"/>
-                <a:cs typeface="Courier New" pitchFamily="49" charset="0"/>
-              </a:rPr>
-              <a:t>__start:	addi t1, zero, 0x18</a:t>
-            </a:r>
-          </a:p>
-          <a:p>
-            <a:r>
-              <a:rPr lang="en-US" sz="2400" dirty="0" smtClean="0">
-                <a:ln w="0"/>
-                <a:solidFill>
-                  <a:srgbClr val="273272"/>
-                </a:solidFill>
-                <a:effectLst>
-                  <a:reflection blurRad="6350" stA="53000" endA="300" endPos="35500" dir="5400000" sy="-90000" algn="bl" rotWithShape="0"/>
-                </a:effectLst>
-                <a:latin typeface="Courier New" pitchFamily="49" charset="0"/>
-                <a:cs typeface="Courier New" pitchFamily="49" charset="0"/>
-              </a:rPr>
-              <a:t>		addi t2, zero, 0x21</a:t>
-            </a:r>
-          </a:p>
-          <a:p>
-            <a:r>
-              <a:rPr lang="en-US" sz="2400" dirty="0" smtClean="0">
-                <a:ln w="0"/>
-                <a:solidFill>
-                  <a:srgbClr val="273272"/>
-                </a:solidFill>
-                <a:effectLst>
-                  <a:reflection blurRad="6350" stA="53000" endA="300" endPos="35500" dir="5400000" sy="-90000" algn="bl" rotWithShape="0"/>
-                </a:effectLst>
-                <a:latin typeface="Courier New" pitchFamily="49" charset="0"/>
-                <a:cs typeface="Courier New" pitchFamily="49" charset="0"/>
-              </a:rPr>
-              <a:t>cycle:	</a:t>
-            </a:r>
-            <a:r>
-              <a:rPr lang="en-US" sz="2400" dirty="0" err="1" smtClean="0">
-                <a:ln w="0"/>
-                <a:solidFill>
-                  <a:srgbClr val="273272"/>
-                </a:solidFill>
-                <a:effectLst>
-                  <a:reflection blurRad="6350" stA="53000" endA="300" endPos="35500" dir="5400000" sy="-90000" algn="bl" rotWithShape="0"/>
-                </a:effectLst>
-                <a:latin typeface="Courier New" pitchFamily="49" charset="0"/>
-                <a:cs typeface="Courier New" pitchFamily="49" charset="0"/>
-              </a:rPr>
-              <a:t>beq</a:t>
-            </a:r>
-            <a:r>
-              <a:rPr lang="en-US" sz="2400" dirty="0" smtClean="0">
-                <a:ln w="0"/>
-                <a:solidFill>
-                  <a:srgbClr val="273272"/>
-                </a:solidFill>
-                <a:effectLst>
-                  <a:reflection blurRad="6350" stA="53000" endA="300" endPos="35500" dir="5400000" sy="-90000" algn="bl" rotWithShape="0"/>
-                </a:effectLst>
-                <a:latin typeface="Courier New" pitchFamily="49" charset="0"/>
-                <a:cs typeface="Courier New" pitchFamily="49" charset="0"/>
-              </a:rPr>
-              <a:t> t1, t2, done</a:t>
-            </a:r>
-          </a:p>
-          <a:p>
-            <a:r>
-              <a:rPr lang="en-US" sz="2400" dirty="0" smtClean="0">
-                <a:ln w="0"/>
-                <a:solidFill>
-                  <a:srgbClr val="273272"/>
-                </a:solidFill>
-                <a:effectLst>
-                  <a:reflection blurRad="6350" stA="53000" endA="300" endPos="35500" dir="5400000" sy="-90000" algn="bl" rotWithShape="0"/>
-                </a:effectLst>
-                <a:latin typeface="Courier New" pitchFamily="49" charset="0"/>
-                <a:cs typeface="Courier New" pitchFamily="49" charset="0"/>
-              </a:rPr>
-              <a:t>		</a:t>
-            </a:r>
-            <a:r>
-              <a:rPr lang="en-US" sz="2400" dirty="0" err="1" smtClean="0">
-                <a:ln w="0"/>
-                <a:solidFill>
-                  <a:srgbClr val="273272"/>
-                </a:solidFill>
-                <a:effectLst>
-                  <a:reflection blurRad="6350" stA="53000" endA="300" endPos="35500" dir="5400000" sy="-90000" algn="bl" rotWithShape="0"/>
-                </a:effectLst>
-                <a:latin typeface="Courier New" pitchFamily="49" charset="0"/>
-                <a:cs typeface="Courier New" pitchFamily="49" charset="0"/>
-              </a:rPr>
-              <a:t>slt</a:t>
-            </a:r>
-            <a:r>
-              <a:rPr lang="en-US" sz="2400" dirty="0" smtClean="0">
-                <a:ln w="0"/>
-                <a:solidFill>
-                  <a:srgbClr val="273272"/>
-                </a:solidFill>
-                <a:effectLst>
-                  <a:reflection blurRad="6350" stA="53000" endA="300" endPos="35500" dir="5400000" sy="-90000" algn="bl" rotWithShape="0"/>
-                </a:effectLst>
-                <a:latin typeface="Courier New" pitchFamily="49" charset="0"/>
-                <a:cs typeface="Courier New" pitchFamily="49" charset="0"/>
-              </a:rPr>
-              <a:t> t0, t1, t2</a:t>
-            </a:r>
-          </a:p>
-          <a:p>
-            <a:r>
-              <a:rPr lang="en-US" sz="2400" dirty="0" smtClean="0">
-                <a:ln w="0"/>
-                <a:solidFill>
-                  <a:srgbClr val="273272"/>
-                </a:solidFill>
-                <a:effectLst>
-                  <a:reflection blurRad="6350" stA="53000" endA="300" endPos="35500" dir="5400000" sy="-90000" algn="bl" rotWithShape="0"/>
-                </a:effectLst>
-                <a:latin typeface="Courier New" pitchFamily="49" charset="0"/>
-                <a:cs typeface="Courier New" pitchFamily="49" charset="0"/>
-              </a:rPr>
-              <a:t>		</a:t>
-            </a:r>
-            <a:r>
-              <a:rPr lang="en-US" sz="2400" dirty="0" err="1" smtClean="0">
-                <a:ln w="0"/>
-                <a:solidFill>
-                  <a:srgbClr val="273272"/>
-                </a:solidFill>
-                <a:effectLst>
-                  <a:reflection blurRad="6350" stA="53000" endA="300" endPos="35500" dir="5400000" sy="-90000" algn="bl" rotWithShape="0"/>
-                </a:effectLst>
-                <a:latin typeface="Courier New" pitchFamily="49" charset="0"/>
-                <a:cs typeface="Courier New" pitchFamily="49" charset="0"/>
-              </a:rPr>
-              <a:t>bne</a:t>
-            </a:r>
-            <a:r>
-              <a:rPr lang="en-US" sz="2400" dirty="0" smtClean="0">
-                <a:ln w="0"/>
-                <a:solidFill>
-                  <a:srgbClr val="273272"/>
-                </a:solidFill>
-                <a:effectLst>
-                  <a:reflection blurRad="6350" stA="53000" endA="300" endPos="35500" dir="5400000" sy="-90000" algn="bl" rotWithShape="0"/>
-                </a:effectLst>
-                <a:latin typeface="Courier New" pitchFamily="49" charset="0"/>
-                <a:cs typeface="Courier New" pitchFamily="49" charset="0"/>
-              </a:rPr>
-              <a:t> t0, zero, </a:t>
-            </a:r>
-            <a:r>
-              <a:rPr lang="en-US" sz="2400" dirty="0" err="1" smtClean="0">
-                <a:ln w="0"/>
-                <a:solidFill>
-                  <a:srgbClr val="273272"/>
-                </a:solidFill>
-                <a:effectLst>
-                  <a:reflection blurRad="6350" stA="53000" endA="300" endPos="35500" dir="5400000" sy="-90000" algn="bl" rotWithShape="0"/>
-                </a:effectLst>
-                <a:latin typeface="Courier New" pitchFamily="49" charset="0"/>
-                <a:cs typeface="Courier New" pitchFamily="49" charset="0"/>
-              </a:rPr>
-              <a:t>if_less</a:t>
-            </a:r>
-            <a:endParaRPr lang="en-US" sz="2400" dirty="0" smtClean="0">
-              <a:ln w="0"/>
-              <a:solidFill>
-                <a:srgbClr val="273272"/>
-              </a:solidFill>
-              <a:effectLst>
-                <a:reflection blurRad="6350" stA="53000" endA="300" endPos="35500" dir="5400000" sy="-90000" algn="bl" rotWithShape="0"/>
-              </a:effectLst>
-              <a:latin typeface="Courier New" pitchFamily="49" charset="0"/>
-              <a:cs typeface="Courier New" pitchFamily="49" charset="0"/>
-            </a:endParaRPr>
-          </a:p>
-          <a:p>
-            <a:r>
-              <a:rPr lang="en-US" sz="2400" dirty="0" smtClean="0">
-                <a:ln w="0"/>
-                <a:solidFill>
-                  <a:srgbClr val="273272"/>
-                </a:solidFill>
-                <a:effectLst>
-                  <a:reflection blurRad="6350" stA="53000" endA="300" endPos="35500" dir="5400000" sy="-90000" algn="bl" rotWithShape="0"/>
-                </a:effectLst>
-                <a:latin typeface="Courier New" pitchFamily="49" charset="0"/>
-                <a:cs typeface="Courier New" pitchFamily="49" charset="0"/>
-              </a:rPr>
-              <a:t>		</a:t>
-            </a:r>
-            <a:r>
-              <a:rPr lang="en-US" sz="2400" dirty="0" err="1" smtClean="0">
-                <a:ln w="0"/>
-                <a:solidFill>
-                  <a:srgbClr val="273272"/>
-                </a:solidFill>
-                <a:effectLst>
-                  <a:reflection blurRad="6350" stA="53000" endA="300" endPos="35500" dir="5400000" sy="-90000" algn="bl" rotWithShape="0"/>
-                </a:effectLst>
-                <a:latin typeface="Courier New" pitchFamily="49" charset="0"/>
-                <a:cs typeface="Courier New" pitchFamily="49" charset="0"/>
-              </a:rPr>
-              <a:t>nop</a:t>
-            </a:r>
-            <a:endParaRPr lang="en-US" sz="2400" dirty="0" smtClean="0">
-              <a:ln w="0"/>
-              <a:solidFill>
-                <a:srgbClr val="273272"/>
-              </a:solidFill>
-              <a:effectLst>
-                <a:reflection blurRad="6350" stA="53000" endA="300" endPos="35500" dir="5400000" sy="-90000" algn="bl" rotWithShape="0"/>
-              </a:effectLst>
-              <a:latin typeface="Courier New" pitchFamily="49" charset="0"/>
-              <a:cs typeface="Courier New" pitchFamily="49" charset="0"/>
-            </a:endParaRPr>
-          </a:p>
-          <a:p>
-            <a:r>
-              <a:rPr lang="en-US" sz="2400" dirty="0" smtClean="0">
-                <a:ln w="0"/>
-                <a:solidFill>
-                  <a:srgbClr val="273272"/>
-                </a:solidFill>
-                <a:effectLst>
-                  <a:reflection blurRad="6350" stA="53000" endA="300" endPos="35500" dir="5400000" sy="-90000" algn="bl" rotWithShape="0"/>
-                </a:effectLst>
-                <a:latin typeface="Courier New" pitchFamily="49" charset="0"/>
-                <a:cs typeface="Courier New" pitchFamily="49" charset="0"/>
-              </a:rPr>
-              <a:t>		sub t1, t1, t2</a:t>
-            </a:r>
-          </a:p>
-          <a:p>
-            <a:r>
-              <a:rPr lang="en-US" sz="2400" dirty="0" smtClean="0">
-                <a:ln w="0"/>
-                <a:solidFill>
-                  <a:srgbClr val="273272"/>
-                </a:solidFill>
-                <a:effectLst>
-                  <a:reflection blurRad="6350" stA="53000" endA="300" endPos="35500" dir="5400000" sy="-90000" algn="bl" rotWithShape="0"/>
-                </a:effectLst>
-                <a:latin typeface="Courier New" pitchFamily="49" charset="0"/>
-                <a:cs typeface="Courier New" pitchFamily="49" charset="0"/>
-              </a:rPr>
-              <a:t>		j cycle</a:t>
-            </a:r>
-          </a:p>
-          <a:p>
-            <a:r>
-              <a:rPr lang="en-US" sz="2400" dirty="0" smtClean="0">
-                <a:ln w="0"/>
-                <a:solidFill>
-                  <a:srgbClr val="273272"/>
-                </a:solidFill>
-                <a:effectLst>
-                  <a:reflection blurRad="6350" stA="53000" endA="300" endPos="35500" dir="5400000" sy="-90000" algn="bl" rotWithShape="0"/>
-                </a:effectLst>
-                <a:latin typeface="Courier New" pitchFamily="49" charset="0"/>
-                <a:cs typeface="Courier New" pitchFamily="49" charset="0"/>
-              </a:rPr>
-              <a:t>		</a:t>
-            </a:r>
-            <a:r>
-              <a:rPr lang="en-US" sz="2400" dirty="0" err="1" smtClean="0">
-                <a:ln w="0"/>
-                <a:solidFill>
-                  <a:srgbClr val="273272"/>
-                </a:solidFill>
-                <a:effectLst>
-                  <a:reflection blurRad="6350" stA="53000" endA="300" endPos="35500" dir="5400000" sy="-90000" algn="bl" rotWithShape="0"/>
-                </a:effectLst>
-                <a:latin typeface="Courier New" pitchFamily="49" charset="0"/>
-                <a:cs typeface="Courier New" pitchFamily="49" charset="0"/>
-              </a:rPr>
-              <a:t>nop</a:t>
-            </a:r>
-            <a:endParaRPr lang="en-US" sz="2400" dirty="0" smtClean="0">
-              <a:ln w="0"/>
-              <a:solidFill>
-                <a:srgbClr val="273272"/>
-              </a:solidFill>
-              <a:effectLst>
-                <a:reflection blurRad="6350" stA="53000" endA="300" endPos="35500" dir="5400000" sy="-90000" algn="bl" rotWithShape="0"/>
-              </a:effectLst>
-              <a:latin typeface="Courier New" pitchFamily="49" charset="0"/>
-              <a:cs typeface="Courier New" pitchFamily="49" charset="0"/>
-            </a:endParaRPr>
-          </a:p>
-          <a:p>
-            <a:r>
-              <a:rPr lang="en-US" sz="2400" dirty="0" err="1" smtClean="0">
-                <a:ln w="0"/>
-                <a:solidFill>
-                  <a:srgbClr val="273272"/>
-                </a:solidFill>
-                <a:effectLst>
-                  <a:reflection blurRad="6350" stA="53000" endA="300" endPos="35500" dir="5400000" sy="-90000" algn="bl" rotWithShape="0"/>
-                </a:effectLst>
-                <a:latin typeface="Courier New" pitchFamily="49" charset="0"/>
-                <a:cs typeface="Courier New" pitchFamily="49" charset="0"/>
-              </a:rPr>
-              <a:t>if_less</a:t>
-            </a:r>
-            <a:r>
-              <a:rPr lang="en-US" sz="2400" dirty="0" smtClean="0">
-                <a:ln w="0"/>
-                <a:solidFill>
-                  <a:srgbClr val="273272"/>
-                </a:solidFill>
-                <a:effectLst>
-                  <a:reflection blurRad="6350" stA="53000" endA="300" endPos="35500" dir="5400000" sy="-90000" algn="bl" rotWithShape="0"/>
-                </a:effectLst>
-                <a:latin typeface="Courier New" pitchFamily="49" charset="0"/>
-                <a:cs typeface="Courier New" pitchFamily="49" charset="0"/>
-              </a:rPr>
-              <a:t>:	sub t2, t2, t1</a:t>
-            </a:r>
-          </a:p>
-          <a:p>
-            <a:r>
-              <a:rPr lang="en-US" sz="2400" dirty="0" smtClean="0">
-                <a:ln w="0"/>
-                <a:solidFill>
-                  <a:srgbClr val="273272"/>
-                </a:solidFill>
-                <a:effectLst>
-                  <a:reflection blurRad="6350" stA="53000" endA="300" endPos="35500" dir="5400000" sy="-90000" algn="bl" rotWithShape="0"/>
-                </a:effectLst>
-                <a:latin typeface="Courier New" pitchFamily="49" charset="0"/>
-                <a:cs typeface="Courier New" pitchFamily="49" charset="0"/>
-              </a:rPr>
-              <a:t>		j cycle</a:t>
-            </a:r>
-          </a:p>
-          <a:p>
-            <a:r>
-              <a:rPr lang="en-US" sz="2400" dirty="0" smtClean="0">
-                <a:ln w="0"/>
-                <a:solidFill>
-                  <a:srgbClr val="273272"/>
-                </a:solidFill>
-                <a:effectLst>
-                  <a:reflection blurRad="6350" stA="53000" endA="300" endPos="35500" dir="5400000" sy="-90000" algn="bl" rotWithShape="0"/>
-                </a:effectLst>
-                <a:latin typeface="Courier New" pitchFamily="49" charset="0"/>
-                <a:cs typeface="Courier New" pitchFamily="49" charset="0"/>
-              </a:rPr>
-              <a:t>done:		add t3, t1, zero</a:t>
-            </a:r>
-            <a:endParaRPr lang="ru-RU" sz="2400" b="0" cap="none" spc="0" dirty="0">
-              <a:ln w="0"/>
-              <a:solidFill>
-                <a:srgbClr val="273272"/>
-              </a:solidFill>
-              <a:effectLst>
-                <a:reflection blurRad="6350" stA="53000" endA="300" endPos="35500" dir="5400000" sy="-90000" algn="bl" rotWithShape="0"/>
-              </a:effectLst>
-              <a:latin typeface="Courier New" pitchFamily="49" charset="0"/>
-              <a:cs typeface="Courier New" pitchFamily="49" charset="0"/>
-            </a:endParaRPr>
-          </a:p>
-        </p:txBody>
-      </p:sp>
-      <p:sp>
-        <p:nvSpPr>
-          <p:cNvPr id="2" name="Заголовок 1"/>
-          <p:cNvSpPr>
-            <a:spLocks noGrp="1"/>
-          </p:cNvSpPr>
-          <p:nvPr>
-            <p:ph type="title"/>
+          <p:cNvPr id="2" name="Содержимое 1"/>
+          <p:cNvSpPr>
+            <a:spLocks noGrp="1"/>
+          </p:cNvSpPr>
+          <p:nvPr>
+            <p:ph idx="1"/>
           </p:nvPr>
         </p:nvSpPr>
         <p:spPr/>
@@ -6527,16 +7407,81 @@
           <a:lstStyle/>
           <a:p>
             <a:r>
+              <a:rPr lang="en-US" b="1" dirty="0" smtClean="0">
+                <a:solidFill>
+                  <a:srgbClr val="F3B217"/>
+                </a:solidFill>
+              </a:rPr>
+              <a:t>Interrupt-Driven </a:t>
+            </a:r>
+            <a:r>
+              <a:rPr lang="en-US" b="1" dirty="0" smtClean="0">
+                <a:solidFill>
+                  <a:srgbClr val="F3B217"/>
+                </a:solidFill>
+              </a:rPr>
+              <a:t>I/O </a:t>
+            </a:r>
+            <a:r>
               <a:rPr lang="en-US" dirty="0" smtClean="0"/>
-              <a:t>Any Questions?</a:t>
-            </a:r>
-            <a:endParaRPr lang="ru-RU" sz="4000" dirty="0"/>
-          </a:p>
-        </p:txBody>
-      </p:sp>
-      <p:sp>
-        <p:nvSpPr>
-          <p:cNvPr id="6" name="Номер слайда 5"/>
+              <a:t>is an I/O scheme that employs interrupts to indicate to the processor that an I/O device </a:t>
+            </a:r>
+            <a:r>
+              <a:rPr lang="en-US" dirty="0" smtClean="0"/>
+              <a:t>needs attention</a:t>
+            </a:r>
+            <a:endParaRPr lang="ru-RU" dirty="0" smtClean="0"/>
+          </a:p>
+          <a:p>
+            <a:r>
+              <a:rPr lang="en-US" b="1" dirty="0" smtClean="0">
+                <a:solidFill>
+                  <a:srgbClr val="F7B217"/>
+                </a:solidFill>
+              </a:rPr>
+              <a:t>Polling</a:t>
+            </a:r>
+            <a:r>
+              <a:rPr lang="en-US" dirty="0" smtClean="0"/>
+              <a:t> is the process </a:t>
+            </a:r>
+            <a:r>
+              <a:rPr lang="en-US" dirty="0" smtClean="0"/>
+              <a:t>of periodically checking the status of an I/O device to determine the need to service the </a:t>
+            </a:r>
+            <a:r>
+              <a:rPr lang="en-US" dirty="0" smtClean="0"/>
+              <a:t>device</a:t>
+            </a:r>
+          </a:p>
+          <a:p>
+            <a:r>
+              <a:rPr lang="en-US" b="1" dirty="0" smtClean="0">
+                <a:solidFill>
+                  <a:srgbClr val="F7B217"/>
+                </a:solidFill>
+              </a:rPr>
+              <a:t>Device Driver </a:t>
+            </a:r>
+            <a:r>
+              <a:rPr lang="en-US" dirty="0" smtClean="0"/>
+              <a:t>is a program </a:t>
+            </a:r>
+            <a:r>
+              <a:rPr lang="en-US" dirty="0" smtClean="0"/>
+              <a:t>that controls an I/O device that is attached to the </a:t>
+            </a:r>
+            <a:r>
+              <a:rPr lang="en-US" dirty="0" smtClean="0"/>
+              <a:t>computer</a:t>
+            </a:r>
+            <a:endParaRPr lang="ru-RU" dirty="0"/>
+          </a:p>
+        </p:txBody>
+      </p:sp>
+      <p:sp>
+        <p:nvSpPr>
+          <p:cNvPr id="3" name="Номер слайда 2"/>
           <p:cNvSpPr>
             <a:spLocks noGrp="1"/>
           </p:cNvSpPr>
@@ -6559,12 +7504,30 @@
           </a:p>
         </p:txBody>
       </p:sp>
+      <p:sp>
+        <p:nvSpPr>
+          <p:cNvPr id="4" name="Заголовок 3"/>
+          <p:cNvSpPr>
+            <a:spLocks noGrp="1"/>
+          </p:cNvSpPr>
+          <p:nvPr>
+            <p:ph type="title"/>
+          </p:nvPr>
+        </p:nvSpPr>
+        <p:spPr/>
+        <p:txBody>
+          <a:bodyPr/>
+          <a:lstStyle/>
+          <a:p>
+            <a:r>
+              <a:rPr lang="en-US" dirty="0" smtClean="0"/>
+              <a:t>Key Ideas</a:t>
+            </a:r>
+            <a:endParaRPr lang="ru-RU" dirty="0"/>
+          </a:p>
+        </p:txBody>
+      </p:sp>
     </p:spTree>
-    <p:extLst>
-      <p:ext uri="{BB962C8B-B14F-4D97-AF65-F5344CB8AC3E}">
-        <p14:creationId xmlns:p14="http://schemas.microsoft.com/office/powerpoint/2010/main" xmlns="" val="4217875043"/>
-      </p:ext>
-    </p:extLst>
   </p:cSld>
   <p:clrMapOvr>
     <a:masterClrMapping/>
